--- a/Cellendipity Schematics.pptx
+++ b/Cellendipity Schematics.pptx
@@ -8,31 +8,32 @@
     <p:sldId id="256" r:id="rId2"/>
     <p:sldId id="260" r:id="rId3"/>
     <p:sldId id="261" r:id="rId4"/>
-    <p:sldId id="273" r:id="rId5"/>
-    <p:sldId id="264" r:id="rId6"/>
-    <p:sldId id="274" r:id="rId7"/>
-    <p:sldId id="268" r:id="rId8"/>
-    <p:sldId id="265" r:id="rId9"/>
-    <p:sldId id="266" r:id="rId10"/>
-    <p:sldId id="267" r:id="rId11"/>
-    <p:sldId id="269" r:id="rId12"/>
-    <p:sldId id="270" r:id="rId13"/>
-    <p:sldId id="271" r:id="rId14"/>
-    <p:sldId id="272" r:id="rId15"/>
-    <p:sldId id="263" r:id="rId16"/>
-    <p:sldId id="275" r:id="rId17"/>
-    <p:sldId id="262" r:id="rId18"/>
-    <p:sldId id="257" r:id="rId19"/>
-    <p:sldId id="258" r:id="rId20"/>
-    <p:sldId id="276" r:id="rId21"/>
-    <p:sldId id="259" r:id="rId22"/>
-    <p:sldId id="280" r:id="rId23"/>
-    <p:sldId id="281" r:id="rId24"/>
-    <p:sldId id="282" r:id="rId25"/>
-    <p:sldId id="283" r:id="rId26"/>
-    <p:sldId id="278" r:id="rId27"/>
-    <p:sldId id="277" r:id="rId28"/>
-    <p:sldId id="279" r:id="rId29"/>
+    <p:sldId id="284" r:id="rId5"/>
+    <p:sldId id="273" r:id="rId6"/>
+    <p:sldId id="264" r:id="rId7"/>
+    <p:sldId id="274" r:id="rId8"/>
+    <p:sldId id="268" r:id="rId9"/>
+    <p:sldId id="265" r:id="rId10"/>
+    <p:sldId id="266" r:id="rId11"/>
+    <p:sldId id="267" r:id="rId12"/>
+    <p:sldId id="269" r:id="rId13"/>
+    <p:sldId id="270" r:id="rId14"/>
+    <p:sldId id="271" r:id="rId15"/>
+    <p:sldId id="272" r:id="rId16"/>
+    <p:sldId id="263" r:id="rId17"/>
+    <p:sldId id="275" r:id="rId18"/>
+    <p:sldId id="262" r:id="rId19"/>
+    <p:sldId id="257" r:id="rId20"/>
+    <p:sldId id="258" r:id="rId21"/>
+    <p:sldId id="276" r:id="rId22"/>
+    <p:sldId id="259" r:id="rId23"/>
+    <p:sldId id="280" r:id="rId24"/>
+    <p:sldId id="281" r:id="rId25"/>
+    <p:sldId id="282" r:id="rId26"/>
+    <p:sldId id="283" r:id="rId27"/>
+    <p:sldId id="278" r:id="rId28"/>
+    <p:sldId id="277" r:id="rId29"/>
+    <p:sldId id="279" r:id="rId30"/>
   </p:sldIdLst>
   <p:sldSz cx="12192000" cy="6858000"/>
   <p:notesSz cx="6858000" cy="9144000"/>
@@ -3087,9 +3088,8 @@
           <a:p>
             <a:r>
               <a:rPr lang="nb-NO"/>
-              <a:t>directionDiff &amp; Angularity</a:t>
-            </a:r>
-            <a:endParaRPr lang="nb-NO"/>
+              <a:t>oDist, Width &amp; Remoteness2</a:t>
+            </a:r>
           </a:p>
         </p:txBody>
       </p:sp>
@@ -3182,8 +3182,8 @@
         </p:nvSpPr>
         <p:spPr>
           <a:xfrm>
-            <a:off x="9364755" y="6343238"/>
-            <a:ext cx="2102490" cy="369332"/>
+            <a:off x="10039747" y="6343238"/>
+            <a:ext cx="774433" cy="369332"/>
           </a:xfrm>
           <a:prstGeom prst="rect">
             <a:avLst/>
@@ -3198,9 +3198,8 @@
           <a:p>
             <a:r>
               <a:rPr lang="nb-NO" b="1"/>
-              <a:t>PI radians / 180 deg</a:t>
-            </a:r>
-            <a:endParaRPr lang="nb-NO" b="1"/>
+              <a:t>width</a:t>
+            </a:r>
           </a:p>
         </p:txBody>
       </p:sp>
@@ -3259,7 +3258,6 @@
               <a:rPr lang="nb-NO"/>
               <a:t>0.0</a:t>
             </a:r>
-            <a:endParaRPr lang="nb-NO"/>
           </a:p>
         </p:txBody>
       </p:sp>
@@ -3289,7 +3287,6 @@
               <a:rPr lang="nb-NO"/>
               <a:t>1.0</a:t>
             </a:r>
-            <a:endParaRPr lang="nb-NO"/>
           </a:p>
         </p:txBody>
       </p:sp>
@@ -3317,7 +3314,7 @@
           <a:p>
             <a:r>
               <a:rPr lang="nb-NO" b="1"/>
-              <a:t>directionDiff = angular difference from heading at spawn</a:t>
+              <a:t>oDist = toOrigin.mag() = Distance from position to origin (arbitrary position)</a:t>
             </a:r>
             <a:endParaRPr lang="nb-NO"/>
           </a:p>
@@ -3332,7 +3329,7 @@
         <p:spPr>
           <a:xfrm>
             <a:off x="10490718" y="3832297"/>
-            <a:ext cx="1256523" cy="369332"/>
+            <a:ext cx="1063689" cy="646331"/>
           </a:xfrm>
           <a:prstGeom prst="rect">
             <a:avLst/>
@@ -3347,7 +3344,7 @@
           <a:p>
             <a:r>
               <a:rPr lang="nb-NO" b="1"/>
-              <a:t>Angularity</a:t>
+              <a:t>Remote-ness2</a:t>
             </a:r>
             <a:endParaRPr lang="nb-NO"/>
           </a:p>
@@ -3362,7 +3359,7 @@
         <p:spPr>
           <a:xfrm>
             <a:off x="1326577" y="1393303"/>
-            <a:ext cx="9633783" cy="307777"/>
+            <a:ext cx="9633783" cy="523220"/>
           </a:xfrm>
           <a:prstGeom prst="rect">
             <a:avLst/>
@@ -3377,20 +3374,29 @@
           <a:p>
             <a:r>
               <a:rPr lang="nb-NO" sz="1400" b="1"/>
-              <a:t>lifespan </a:t>
+              <a:t>width </a:t>
             </a:r>
             <a:r>
               <a:rPr lang="nb-NO" sz="1400"/>
-              <a:t>represents the maximum possible distance a cell could travel: 1 pixel per frame in a straight line heading away from home</a:t>
-            </a:r>
-            <a:endParaRPr lang="nb-NO" sz="1400" b="1"/>
+              <a:t>is the maximum possible horisontal/vertical distance a cell could have from origin (assuming canvas is square)</a:t>
+            </a:r>
+          </a:p>
+          <a:p>
+            <a:r>
+              <a:rPr lang="nb-NO" sz="1400" i="1"/>
+              <a:t>The actual maximum is ~width * 1.4 (or = width * square root of 2</a:t>
+            </a:r>
+            <a:r>
+              <a:rPr lang="nb-NO" sz="1400" b="1"/>
+              <a:t>)</a:t>
+            </a:r>
           </a:p>
         </p:txBody>
       </p:sp>
     </p:spTree>
     <p:extLst>
       <p:ext uri="{BB962C8B-B14F-4D97-AF65-F5344CB8AC3E}">
-        <p14:creationId xmlns:p14="http://schemas.microsoft.com/office/powerpoint/2010/main" val="3019410937"/>
+        <p14:creationId xmlns:p14="http://schemas.microsoft.com/office/powerpoint/2010/main" val="2858201199"/>
       </p:ext>
     </p:extLst>
   </p:cSld>
@@ -3419,7 +3425,7 @@
       </p:grpSpPr>
       <p:sp>
         <p:nvSpPr>
-          <p:cNvPr id="2" name="Title 1"/>
+          <p:cNvPr id="4" name="Title 3"/>
           <p:cNvSpPr>
             <a:spLocks noGrp="1"/>
           </p:cNvSpPr>
@@ -3434,45 +3440,306 @@
           <a:p>
             <a:r>
               <a:rPr lang="nb-NO"/>
-              <a:t>Life-events</a:t>
-            </a:r>
+              <a:t>directionDiff &amp; Angularity</a:t>
+            </a:r>
+          </a:p>
+        </p:txBody>
+      </p:sp>
+      <p:sp>
+        <p:nvSpPr>
+          <p:cNvPr id="6" name="Rectangle 5"/>
+          <p:cNvSpPr/>
+          <p:nvPr/>
+        </p:nvSpPr>
+        <p:spPr>
+          <a:xfrm>
+            <a:off x="1776000" y="1856963"/>
+            <a:ext cx="8640000" cy="4320000"/>
+          </a:xfrm>
+          <a:prstGeom prst="rect">
+            <a:avLst/>
+          </a:prstGeom>
+          <a:noFill/>
+        </p:spPr>
+        <p:style>
+          <a:lnRef idx="2">
+            <a:schemeClr val="accent1">
+              <a:shade val="50000"/>
+            </a:schemeClr>
+          </a:lnRef>
+          <a:fillRef idx="1">
+            <a:schemeClr val="accent1"/>
+          </a:fillRef>
+          <a:effectRef idx="0">
+            <a:schemeClr val="accent1"/>
+          </a:effectRef>
+          <a:fontRef idx="minor">
+            <a:schemeClr val="lt1"/>
+          </a:fontRef>
+        </p:style>
+        <p:txBody>
+          <a:bodyPr rtlCol="0" anchor="ctr"/>
+          <a:lstStyle/>
+          <a:p>
+            <a:pPr algn="ctr"/>
             <a:endParaRPr lang="nb-NO"/>
           </a:p>
         </p:txBody>
       </p:sp>
       <p:sp>
         <p:nvSpPr>
-          <p:cNvPr id="3" name="Content Placeholder 2"/>
-          <p:cNvSpPr>
-            <a:spLocks noGrp="1"/>
-          </p:cNvSpPr>
-          <p:nvPr>
-            <p:ph idx="1"/>
-          </p:nvPr>
-        </p:nvSpPr>
-        <p:spPr/>
-        <p:txBody>
-          <a:bodyPr/>
+          <p:cNvPr id="7" name="Right Triangle 6"/>
+          <p:cNvSpPr/>
+          <p:nvPr/>
+        </p:nvSpPr>
+        <p:spPr>
+          <a:xfrm flipH="1">
+            <a:off x="1776000" y="1856963"/>
+            <a:ext cx="8640000" cy="4320000"/>
+          </a:xfrm>
+          <a:prstGeom prst="rtTriangle">
+            <a:avLst/>
+          </a:prstGeom>
+        </p:spPr>
+        <p:style>
+          <a:lnRef idx="2">
+            <a:schemeClr val="accent1">
+              <a:shade val="50000"/>
+            </a:schemeClr>
+          </a:lnRef>
+          <a:fillRef idx="1">
+            <a:schemeClr val="accent1"/>
+          </a:fillRef>
+          <a:effectRef idx="0">
+            <a:schemeClr val="accent1"/>
+          </a:effectRef>
+          <a:fontRef idx="minor">
+            <a:schemeClr val="lt1"/>
+          </a:fontRef>
+        </p:style>
+        <p:txBody>
+          <a:bodyPr rtlCol="0" anchor="ctr"/>
+          <a:lstStyle/>
+          <a:p>
+            <a:pPr algn="ctr"/>
+            <a:endParaRPr lang="nb-NO"/>
+          </a:p>
+        </p:txBody>
+      </p:sp>
+      <p:sp>
+        <p:nvSpPr>
+          <p:cNvPr id="8" name="TextBox 7"/>
+          <p:cNvSpPr txBox="1"/>
+          <p:nvPr/>
+        </p:nvSpPr>
+        <p:spPr>
+          <a:xfrm>
+            <a:off x="9364755" y="6343238"/>
+            <a:ext cx="2102490" cy="369332"/>
+          </a:xfrm>
+          <a:prstGeom prst="rect">
+            <a:avLst/>
+          </a:prstGeom>
+          <a:noFill/>
+        </p:spPr>
+        <p:txBody>
+          <a:bodyPr wrap="square" rtlCol="0">
+            <a:spAutoFit/>
+          </a:bodyPr>
+          <a:lstStyle/>
+          <a:p>
+            <a:r>
+              <a:rPr lang="nb-NO" b="1"/>
+              <a:t>PI radians / 180 deg</a:t>
+            </a:r>
+          </a:p>
+        </p:txBody>
+      </p:sp>
+      <p:sp>
+        <p:nvSpPr>
+          <p:cNvPr id="9" name="TextBox 8"/>
+          <p:cNvSpPr txBox="1"/>
+          <p:nvPr/>
+        </p:nvSpPr>
+        <p:spPr>
+          <a:xfrm>
+            <a:off x="1776000" y="6347228"/>
+            <a:ext cx="1017037" cy="369332"/>
+          </a:xfrm>
+          <a:prstGeom prst="rect">
+            <a:avLst/>
+          </a:prstGeom>
+          <a:noFill/>
+        </p:spPr>
+        <p:txBody>
+          <a:bodyPr wrap="square" rtlCol="0">
+            <a:spAutoFit/>
+          </a:bodyPr>
           <a:lstStyle/>
           <a:p>
             <a:r>
               <a:rPr lang="nb-NO"/>
-              <a:t>Collisions</a:t>
-            </a:r>
-          </a:p>
+              <a:t>0</a:t>
+            </a:r>
+          </a:p>
+        </p:txBody>
+      </p:sp>
+      <p:sp>
+        <p:nvSpPr>
+          <p:cNvPr id="10" name="TextBox 9"/>
+          <p:cNvSpPr txBox="1"/>
+          <p:nvPr/>
+        </p:nvSpPr>
+        <p:spPr>
+          <a:xfrm>
+            <a:off x="10514045" y="5807631"/>
+            <a:ext cx="1017037" cy="369332"/>
+          </a:xfrm>
+          <a:prstGeom prst="rect">
+            <a:avLst/>
+          </a:prstGeom>
+          <a:noFill/>
+        </p:spPr>
+        <p:txBody>
+          <a:bodyPr wrap="square" rtlCol="0">
+            <a:spAutoFit/>
+          </a:bodyPr>
+          <a:lstStyle/>
           <a:p>
             <a:r>
               <a:rPr lang="nb-NO"/>
-              <a:t>Conceptions</a:t>
+              <a:t>0.0</a:t>
+            </a:r>
+          </a:p>
+        </p:txBody>
+      </p:sp>
+      <p:sp>
+        <p:nvSpPr>
+          <p:cNvPr id="11" name="TextBox 10"/>
+          <p:cNvSpPr txBox="1"/>
+          <p:nvPr/>
+        </p:nvSpPr>
+        <p:spPr>
+          <a:xfrm>
+            <a:off x="10514045" y="1856963"/>
+            <a:ext cx="1017037" cy="369332"/>
+          </a:xfrm>
+          <a:prstGeom prst="rect">
+            <a:avLst/>
+          </a:prstGeom>
+          <a:noFill/>
+        </p:spPr>
+        <p:txBody>
+          <a:bodyPr wrap="square" rtlCol="0">
+            <a:spAutoFit/>
+          </a:bodyPr>
+          <a:lstStyle/>
+          <a:p>
+            <a:r>
+              <a:rPr lang="nb-NO"/>
+              <a:t>1.0</a:t>
+            </a:r>
+          </a:p>
+        </p:txBody>
+      </p:sp>
+      <p:sp>
+        <p:nvSpPr>
+          <p:cNvPr id="12" name="TextBox 11"/>
+          <p:cNvSpPr txBox="1"/>
+          <p:nvPr/>
+        </p:nvSpPr>
+        <p:spPr>
+          <a:xfrm>
+            <a:off x="2155376" y="6343238"/>
+            <a:ext cx="7445823" cy="369332"/>
+          </a:xfrm>
+          <a:prstGeom prst="rect">
+            <a:avLst/>
+          </a:prstGeom>
+          <a:noFill/>
+        </p:spPr>
+        <p:txBody>
+          <a:bodyPr wrap="square" rtlCol="0">
+            <a:spAutoFit/>
+          </a:bodyPr>
+          <a:lstStyle/>
+          <a:p>
+            <a:r>
+              <a:rPr lang="nb-NO" b="1"/>
+              <a:t>directionDiff = angular difference from heading at spawn</a:t>
             </a:r>
             <a:endParaRPr lang="nb-NO"/>
+          </a:p>
+        </p:txBody>
+      </p:sp>
+      <p:sp>
+        <p:nvSpPr>
+          <p:cNvPr id="13" name="TextBox 12"/>
+          <p:cNvSpPr txBox="1"/>
+          <p:nvPr/>
+        </p:nvSpPr>
+        <p:spPr>
+          <a:xfrm>
+            <a:off x="10490718" y="3832297"/>
+            <a:ext cx="1256523" cy="369332"/>
+          </a:xfrm>
+          <a:prstGeom prst="rect">
+            <a:avLst/>
+          </a:prstGeom>
+          <a:noFill/>
+        </p:spPr>
+        <p:txBody>
+          <a:bodyPr wrap="square" rtlCol="0">
+            <a:spAutoFit/>
+          </a:bodyPr>
+          <a:lstStyle/>
+          <a:p>
+            <a:r>
+              <a:rPr lang="nb-NO" b="1"/>
+              <a:t>Angularity</a:t>
+            </a:r>
+            <a:endParaRPr lang="nb-NO"/>
+          </a:p>
+        </p:txBody>
+      </p:sp>
+      <p:sp>
+        <p:nvSpPr>
+          <p:cNvPr id="14" name="TextBox 13"/>
+          <p:cNvSpPr txBox="1"/>
+          <p:nvPr/>
+        </p:nvSpPr>
+        <p:spPr>
+          <a:xfrm>
+            <a:off x="1326577" y="1393303"/>
+            <a:ext cx="9633783" cy="307777"/>
+          </a:xfrm>
+          <a:prstGeom prst="rect">
+            <a:avLst/>
+          </a:prstGeom>
+          <a:noFill/>
+        </p:spPr>
+        <p:txBody>
+          <a:bodyPr wrap="square" rtlCol="0">
+            <a:spAutoFit/>
+          </a:bodyPr>
+          <a:lstStyle/>
+          <a:p>
+            <a:r>
+              <a:rPr lang="nb-NO" sz="1400" b="1"/>
+              <a:t>lifespan </a:t>
+            </a:r>
+            <a:r>
+              <a:rPr lang="nb-NO" sz="1400"/>
+              <a:t>represents the maximum possible distance a cell could travel: 1 pixel per frame in a straight line heading away from home</a:t>
+            </a:r>
+            <a:endParaRPr lang="nb-NO" sz="1400" b="1"/>
           </a:p>
         </p:txBody>
       </p:sp>
     </p:spTree>
     <p:extLst>
       <p:ext uri="{BB962C8B-B14F-4D97-AF65-F5344CB8AC3E}">
-        <p14:creationId xmlns:p14="http://schemas.microsoft.com/office/powerpoint/2010/main" val="1305604981"/>
+        <p14:creationId xmlns:p14="http://schemas.microsoft.com/office/powerpoint/2010/main" val="3019410937"/>
       </p:ext>
     </p:extLst>
   </p:cSld>
@@ -3501,6 +3768,86 @@
       </p:grpSpPr>
       <p:sp>
         <p:nvSpPr>
+          <p:cNvPr id="2" name="Title 1"/>
+          <p:cNvSpPr>
+            <a:spLocks noGrp="1"/>
+          </p:cNvSpPr>
+          <p:nvPr>
+            <p:ph type="title"/>
+          </p:nvPr>
+        </p:nvSpPr>
+        <p:spPr/>
+        <p:txBody>
+          <a:bodyPr/>
+          <a:lstStyle/>
+          <a:p>
+            <a:r>
+              <a:rPr lang="nb-NO"/>
+              <a:t>Life-events</a:t>
+            </a:r>
+          </a:p>
+        </p:txBody>
+      </p:sp>
+      <p:sp>
+        <p:nvSpPr>
+          <p:cNvPr id="3" name="Content Placeholder 2"/>
+          <p:cNvSpPr>
+            <a:spLocks noGrp="1"/>
+          </p:cNvSpPr>
+          <p:nvPr>
+            <p:ph idx="1"/>
+          </p:nvPr>
+        </p:nvSpPr>
+        <p:spPr/>
+        <p:txBody>
+          <a:bodyPr/>
+          <a:lstStyle/>
+          <a:p>
+            <a:r>
+              <a:rPr lang="nb-NO"/>
+              <a:t>Collisions</a:t>
+            </a:r>
+          </a:p>
+          <a:p>
+            <a:r>
+              <a:rPr lang="nb-NO"/>
+              <a:t>Conceptions</a:t>
+            </a:r>
+          </a:p>
+        </p:txBody>
+      </p:sp>
+    </p:spTree>
+    <p:extLst>
+      <p:ext uri="{BB962C8B-B14F-4D97-AF65-F5344CB8AC3E}">
+        <p14:creationId xmlns:p14="http://schemas.microsoft.com/office/powerpoint/2010/main" val="1305604981"/>
+      </p:ext>
+    </p:extLst>
+  </p:cSld>
+  <p:clrMapOvr>
+    <a:masterClrMapping/>
+  </p:clrMapOvr>
+</p:sld>
+</file>
+
+<file path=ppt/slides/slide13.xml><?xml version="1.0" encoding="utf-8"?>
+<p:sld xmlns:a="http://schemas.openxmlformats.org/drawingml/2006/main" xmlns:r="http://schemas.openxmlformats.org/officeDocument/2006/relationships" xmlns:p="http://schemas.openxmlformats.org/presentationml/2006/main">
+  <p:cSld>
+    <p:spTree>
+      <p:nvGrpSpPr>
+        <p:cNvPr id="1" name=""/>
+        <p:cNvGrpSpPr/>
+        <p:nvPr/>
+      </p:nvGrpSpPr>
+      <p:grpSpPr>
+        <a:xfrm>
+          <a:off x="0" y="0"/>
+          <a:ext cx="0" cy="0"/>
+          <a:chOff x="0" y="0"/>
+          <a:chExt cx="0" cy="0"/>
+        </a:xfrm>
+      </p:grpSpPr>
+      <p:sp>
+        <p:nvSpPr>
           <p:cNvPr id="4" name="Title 3"/>
           <p:cNvSpPr>
             <a:spLocks noGrp="1"/>
@@ -3518,7 +3865,6 @@
               <a:rPr lang="nb-NO"/>
               <a:t>spawnLimit</a:t>
             </a:r>
-            <a:endParaRPr lang="nb-NO"/>
           </a:p>
         </p:txBody>
       </p:sp>
@@ -3629,7 +3975,6 @@
               <a:rPr lang="nb-NO" b="1"/>
               <a:t>= death</a:t>
             </a:r>
-            <a:endParaRPr lang="nb-NO" b="1"/>
           </a:p>
         </p:txBody>
       </p:sp>
@@ -3688,7 +4033,6 @@
               <a:rPr lang="nb-NO" i="1"/>
               <a:t># conceptions since cell birth</a:t>
             </a:r>
-            <a:endParaRPr lang="nb-NO" i="1"/>
           </a:p>
         </p:txBody>
       </p:sp>
@@ -3718,7 +4062,6 @@
               <a:rPr lang="nb-NO" b="1"/>
               <a:t>dna[30] : spawnLimit</a:t>
             </a:r>
-            <a:endParaRPr lang="nb-NO" b="1"/>
           </a:p>
         </p:txBody>
       </p:sp>
@@ -3762,7 +4105,6 @@
               <a:rPr lang="nb-NO"/>
               <a:t>3</a:t>
             </a:r>
-            <a:endParaRPr lang="nb-NO"/>
           </a:p>
         </p:txBody>
       </p:sp>
@@ -3849,7 +4191,6 @@
               <a:rPr lang="nb-NO"/>
               <a:t>1</a:t>
             </a:r>
-            <a:endParaRPr lang="nb-NO"/>
           </a:p>
         </p:txBody>
       </p:sp>
@@ -3893,7 +4234,6 @@
               <a:rPr lang="nb-NO"/>
               <a:t>4</a:t>
             </a:r>
-            <a:endParaRPr lang="nb-NO"/>
           </a:p>
         </p:txBody>
       </p:sp>
@@ -3937,7 +4277,6 @@
               <a:rPr lang="nb-NO"/>
               <a:t>4</a:t>
             </a:r>
-            <a:endParaRPr lang="nb-NO"/>
           </a:p>
         </p:txBody>
       </p:sp>
@@ -4067,7 +4406,6 @@
               <a:rPr lang="nb-NO"/>
               <a:t>3</a:t>
             </a:r>
-            <a:endParaRPr lang="nb-NO"/>
           </a:p>
         </p:txBody>
       </p:sp>
@@ -4118,88 +4456,6 @@
     <p:extLst>
       <p:ext uri="{BB962C8B-B14F-4D97-AF65-F5344CB8AC3E}">
         <p14:creationId xmlns:p14="http://schemas.microsoft.com/office/powerpoint/2010/main" val="3606326523"/>
-      </p:ext>
-    </p:extLst>
-  </p:cSld>
-  <p:clrMapOvr>
-    <a:masterClrMapping/>
-  </p:clrMapOvr>
-</p:sld>
-</file>
-
-<file path=ppt/slides/slide13.xml><?xml version="1.0" encoding="utf-8"?>
-<p:sld xmlns:a="http://schemas.openxmlformats.org/drawingml/2006/main" xmlns:r="http://schemas.openxmlformats.org/officeDocument/2006/relationships" xmlns:p="http://schemas.openxmlformats.org/presentationml/2006/main">
-  <p:cSld>
-    <p:spTree>
-      <p:nvGrpSpPr>
-        <p:cNvPr id="1" name=""/>
-        <p:cNvGrpSpPr/>
-        <p:nvPr/>
-      </p:nvGrpSpPr>
-      <p:grpSpPr>
-        <a:xfrm>
-          <a:off x="0" y="0"/>
-          <a:ext cx="0" cy="0"/>
-          <a:chOff x="0" y="0"/>
-          <a:chExt cx="0" cy="0"/>
-        </a:xfrm>
-      </p:grpSpPr>
-      <p:sp>
-        <p:nvSpPr>
-          <p:cNvPr id="2" name="Title 1"/>
-          <p:cNvSpPr>
-            <a:spLocks noGrp="1"/>
-          </p:cNvSpPr>
-          <p:nvPr>
-            <p:ph type="title"/>
-          </p:nvPr>
-        </p:nvSpPr>
-        <p:spPr/>
-        <p:txBody>
-          <a:bodyPr/>
-          <a:lstStyle/>
-          <a:p>
-            <a:r>
-              <a:rPr lang="nb-NO"/>
-              <a:t>Externals</a:t>
-            </a:r>
-            <a:endParaRPr lang="nb-NO"/>
-          </a:p>
-        </p:txBody>
-      </p:sp>
-      <p:sp>
-        <p:nvSpPr>
-          <p:cNvPr id="3" name="Content Placeholder 2"/>
-          <p:cNvSpPr>
-            <a:spLocks noGrp="1"/>
-          </p:cNvSpPr>
-          <p:nvPr>
-            <p:ph idx="1"/>
-          </p:nvPr>
-        </p:nvSpPr>
-        <p:spPr/>
-        <p:txBody>
-          <a:bodyPr/>
-          <a:lstStyle/>
-          <a:p>
-            <a:r>
-              <a:rPr lang="nb-NO"/>
-              <a:t>runCycle/maxCycles</a:t>
-            </a:r>
-          </a:p>
-          <a:p>
-            <a:r>
-              <a:rPr lang="nb-NO"/>
-              <a:t>pixelSampling from source image</a:t>
-            </a:r>
-            <a:endParaRPr lang="nb-NO"/>
-          </a:p>
-        </p:txBody>
-      </p:sp>
-    </p:spTree>
-    <p:extLst>
-      <p:ext uri="{BB962C8B-B14F-4D97-AF65-F5344CB8AC3E}">
-        <p14:creationId xmlns:p14="http://schemas.microsoft.com/office/powerpoint/2010/main" val="4257626908"/>
       </p:ext>
     </p:extLst>
   </p:cSld>
@@ -4228,6 +4484,86 @@
       </p:grpSpPr>
       <p:sp>
         <p:nvSpPr>
+          <p:cNvPr id="2" name="Title 1"/>
+          <p:cNvSpPr>
+            <a:spLocks noGrp="1"/>
+          </p:cNvSpPr>
+          <p:nvPr>
+            <p:ph type="title"/>
+          </p:nvPr>
+        </p:nvSpPr>
+        <p:spPr/>
+        <p:txBody>
+          <a:bodyPr/>
+          <a:lstStyle/>
+          <a:p>
+            <a:r>
+              <a:rPr lang="nb-NO"/>
+              <a:t>Externals</a:t>
+            </a:r>
+          </a:p>
+        </p:txBody>
+      </p:sp>
+      <p:sp>
+        <p:nvSpPr>
+          <p:cNvPr id="3" name="Content Placeholder 2"/>
+          <p:cNvSpPr>
+            <a:spLocks noGrp="1"/>
+          </p:cNvSpPr>
+          <p:nvPr>
+            <p:ph idx="1"/>
+          </p:nvPr>
+        </p:nvSpPr>
+        <p:spPr/>
+        <p:txBody>
+          <a:bodyPr/>
+          <a:lstStyle/>
+          <a:p>
+            <a:r>
+              <a:rPr lang="nb-NO"/>
+              <a:t>runCycle/maxCycles</a:t>
+            </a:r>
+          </a:p>
+          <a:p>
+            <a:r>
+              <a:rPr lang="nb-NO"/>
+              <a:t>pixelSampling from source image</a:t>
+            </a:r>
+          </a:p>
+        </p:txBody>
+      </p:sp>
+    </p:spTree>
+    <p:extLst>
+      <p:ext uri="{BB962C8B-B14F-4D97-AF65-F5344CB8AC3E}">
+        <p14:creationId xmlns:p14="http://schemas.microsoft.com/office/powerpoint/2010/main" val="4257626908"/>
+      </p:ext>
+    </p:extLst>
+  </p:cSld>
+  <p:clrMapOvr>
+    <a:masterClrMapping/>
+  </p:clrMapOvr>
+</p:sld>
+</file>
+
+<file path=ppt/slides/slide15.xml><?xml version="1.0" encoding="utf-8"?>
+<p:sld xmlns:a="http://schemas.openxmlformats.org/drawingml/2006/main" xmlns:r="http://schemas.openxmlformats.org/officeDocument/2006/relationships" xmlns:p="http://schemas.openxmlformats.org/presentationml/2006/main">
+  <p:cSld>
+    <p:spTree>
+      <p:nvGrpSpPr>
+        <p:cNvPr id="1" name=""/>
+        <p:cNvGrpSpPr/>
+        <p:nvPr/>
+      </p:nvGrpSpPr>
+      <p:grpSpPr>
+        <a:xfrm>
+          <a:off x="0" y="0"/>
+          <a:ext cx="0" cy="0"/>
+          <a:chOff x="0" y="0"/>
+          <a:chExt cx="0" cy="0"/>
+        </a:xfrm>
+      </p:grpSpPr>
+      <p:sp>
+        <p:nvSpPr>
           <p:cNvPr id="4" name="Title 3"/>
           <p:cNvSpPr>
             <a:spLocks noGrp="1"/>
@@ -4245,7 +4581,6 @@
               <a:rPr lang="nb-NO"/>
               <a:t>runCycle &amp; maxCycles</a:t>
             </a:r>
-            <a:endParaRPr lang="nb-NO"/>
           </a:p>
         </p:txBody>
       </p:sp>
@@ -4356,7 +4691,6 @@
               <a:rPr lang="nb-NO" b="1"/>
               <a:t>maxCycles</a:t>
             </a:r>
-            <a:endParaRPr lang="nb-NO" b="1"/>
           </a:p>
         </p:txBody>
       </p:sp>
@@ -4415,7 +4749,6 @@
               <a:rPr lang="nb-NO"/>
               <a:t>0.0</a:t>
             </a:r>
-            <a:endParaRPr lang="nb-NO"/>
           </a:p>
         </p:txBody>
       </p:sp>
@@ -4445,7 +4778,6 @@
               <a:rPr lang="nb-NO"/>
               <a:t>1.0</a:t>
             </a:r>
-            <a:endParaRPr lang="nb-NO"/>
           </a:p>
         </p:txBody>
       </p:sp>
@@ -4483,7 +4815,6 @@
               <a:rPr lang="nb-NO" i="1"/>
               <a:t>(# cycles since firstrun)</a:t>
             </a:r>
-            <a:endParaRPr lang="nb-NO" i="1"/>
           </a:p>
         </p:txBody>
       </p:sp>
@@ -4521,78 +4852,6 @@
     <p:extLst>
       <p:ext uri="{BB962C8B-B14F-4D97-AF65-F5344CB8AC3E}">
         <p14:creationId xmlns:p14="http://schemas.microsoft.com/office/powerpoint/2010/main" val="2294491594"/>
-      </p:ext>
-    </p:extLst>
-  </p:cSld>
-  <p:clrMapOvr>
-    <a:masterClrMapping/>
-  </p:clrMapOvr>
-</p:sld>
-</file>
-
-<file path=ppt/slides/slide15.xml><?xml version="1.0" encoding="utf-8"?>
-<p:sld xmlns:a="http://schemas.openxmlformats.org/drawingml/2006/main" xmlns:r="http://schemas.openxmlformats.org/officeDocument/2006/relationships" xmlns:p="http://schemas.openxmlformats.org/presentationml/2006/main">
-  <p:cSld>
-    <p:spTree>
-      <p:nvGrpSpPr>
-        <p:cNvPr id="1" name=""/>
-        <p:cNvGrpSpPr/>
-        <p:nvPr/>
-      </p:nvGrpSpPr>
-      <p:grpSpPr>
-        <a:xfrm>
-          <a:off x="0" y="0"/>
-          <a:ext cx="0" cy="0"/>
-          <a:chOff x="0" y="0"/>
-          <a:chExt cx="0" cy="0"/>
-        </a:xfrm>
-      </p:grpSpPr>
-      <p:sp>
-        <p:nvSpPr>
-          <p:cNvPr id="2" name="Title 1"/>
-          <p:cNvSpPr>
-            <a:spLocks noGrp="1"/>
-          </p:cNvSpPr>
-          <p:nvPr>
-            <p:ph type="title"/>
-          </p:nvPr>
-        </p:nvSpPr>
-        <p:spPr/>
-        <p:txBody>
-          <a:bodyPr/>
-          <a:lstStyle/>
-          <a:p>
-            <a:r>
-              <a:rPr lang="nb-NO"/>
-              <a:t>Driver modes</a:t>
-            </a:r>
-            <a:endParaRPr lang="nb-NO"/>
-          </a:p>
-        </p:txBody>
-      </p:sp>
-      <p:sp>
-        <p:nvSpPr>
-          <p:cNvPr id="3" name="Text Placeholder 2"/>
-          <p:cNvSpPr>
-            <a:spLocks noGrp="1"/>
-          </p:cNvSpPr>
-          <p:nvPr>
-            <p:ph type="body" idx="1"/>
-          </p:nvPr>
-        </p:nvSpPr>
-        <p:spPr/>
-        <p:txBody>
-          <a:bodyPr/>
-          <a:lstStyle/>
-          <a:p>
-            <a:endParaRPr lang="nb-NO"/>
-          </a:p>
-        </p:txBody>
-      </p:sp>
-    </p:spTree>
-    <p:extLst>
-      <p:ext uri="{BB962C8B-B14F-4D97-AF65-F5344CB8AC3E}">
-        <p14:creationId xmlns:p14="http://schemas.microsoft.com/office/powerpoint/2010/main" val="2139698943"/>
       </p:ext>
     </p:extLst>
   </p:cSld>
@@ -4621,7 +4880,7 @@
       </p:grpSpPr>
       <p:sp>
         <p:nvSpPr>
-          <p:cNvPr id="4" name="Title 3"/>
+          <p:cNvPr id="2" name="Title 1"/>
           <p:cNvSpPr>
             <a:spLocks noGrp="1"/>
           </p:cNvSpPr>
@@ -4638,18 +4897,17 @@
               <a:rPr lang="nb-NO"/>
               <a:t>Driver modes</a:t>
             </a:r>
-            <a:endParaRPr lang="nb-NO"/>
-          </a:p>
-        </p:txBody>
-      </p:sp>
-      <p:sp>
-        <p:nvSpPr>
-          <p:cNvPr id="5" name="Content Placeholder 4"/>
+          </a:p>
+        </p:txBody>
+      </p:sp>
+      <p:sp>
+        <p:nvSpPr>
+          <p:cNvPr id="3" name="Text Placeholder 2"/>
           <p:cNvSpPr>
             <a:spLocks noGrp="1"/>
           </p:cNvSpPr>
           <p:nvPr>
-            <p:ph idx="1"/>
+            <p:ph type="body" idx="1"/>
           </p:nvPr>
         </p:nvSpPr>
         <p:spPr/>
@@ -4657,77 +4915,6 @@
           <a:bodyPr/>
           <a:lstStyle/>
           <a:p>
-            <a:r>
-              <a:rPr lang="nb-NO"/>
-              <a:t>Raw					Value is mapped directly (linear)</a:t>
-            </a:r>
-          </a:p>
-          <a:p>
-            <a:r>
-              <a:rPr lang="nb-NO"/>
-              <a:t>(Raw)				Value is raised to a power (exponential)</a:t>
-            </a:r>
-          </a:p>
-          <a:p>
-            <a:r>
-              <a:rPr lang="nb-NO"/>
-              <a:t>SIN(map(raw,0,1,0,TWO_PI)	Value used in a SIN function (sinusoidal)</a:t>
-            </a:r>
-          </a:p>
-          <a:p>
-            <a:r>
-              <a:rPr lang="nb-NO"/>
-              <a:t>F(x)					Value is used in a ??? Function (???)</a:t>
-            </a:r>
-          </a:p>
-          <a:p>
-            <a:r>
-              <a:rPr lang="nb-NO"/>
-              <a:t>Raw.step()				Value is chopped into steps (stepped)</a:t>
-            </a:r>
-          </a:p>
-          <a:p>
-            <a:r>
-              <a:rPr lang="nb-NO"/>
-              <a:t>Raw.threshold			Event is triggered when value passes a</a:t>
-            </a:r>
-            <a:br>
-              <a:rPr lang="nb-NO"/>
-            </a:br>
-            <a:r>
-              <a:rPr lang="nb-NO"/>
-              <a:t>					predefined threshold</a:t>
-            </a:r>
-            <a:endParaRPr lang="nb-NO"/>
-          </a:p>
-        </p:txBody>
-      </p:sp>
-      <p:sp>
-        <p:nvSpPr>
-          <p:cNvPr id="6" name="TextBox 5"/>
-          <p:cNvSpPr txBox="1"/>
-          <p:nvPr/>
-        </p:nvSpPr>
-        <p:spPr>
-          <a:xfrm>
-            <a:off x="1889760" y="2211978"/>
-            <a:ext cx="322217" cy="369332"/>
-          </a:xfrm>
-          <a:prstGeom prst="rect">
-            <a:avLst/>
-          </a:prstGeom>
-          <a:noFill/>
-        </p:spPr>
-        <p:txBody>
-          <a:bodyPr wrap="square" rtlCol="0">
-            <a:spAutoFit/>
-          </a:bodyPr>
-          <a:lstStyle/>
-          <a:p>
-            <a:r>
-              <a:rPr lang="nb-NO"/>
-              <a:t>n</a:t>
-            </a:r>
             <a:endParaRPr lang="nb-NO"/>
           </a:p>
         </p:txBody>
@@ -4735,7 +4922,7 @@
     </p:spTree>
     <p:extLst>
       <p:ext uri="{BB962C8B-B14F-4D97-AF65-F5344CB8AC3E}">
-        <p14:creationId xmlns:p14="http://schemas.microsoft.com/office/powerpoint/2010/main" val="853513762"/>
+        <p14:creationId xmlns:p14="http://schemas.microsoft.com/office/powerpoint/2010/main" val="2139698943"/>
       </p:ext>
     </p:extLst>
   </p:cSld>
@@ -4764,6 +4951,146 @@
       </p:grpSpPr>
       <p:sp>
         <p:nvSpPr>
+          <p:cNvPr id="4" name="Title 3"/>
+          <p:cNvSpPr>
+            <a:spLocks noGrp="1"/>
+          </p:cNvSpPr>
+          <p:nvPr>
+            <p:ph type="title"/>
+          </p:nvPr>
+        </p:nvSpPr>
+        <p:spPr/>
+        <p:txBody>
+          <a:bodyPr/>
+          <a:lstStyle/>
+          <a:p>
+            <a:r>
+              <a:rPr lang="nb-NO"/>
+              <a:t>Driver modes</a:t>
+            </a:r>
+          </a:p>
+        </p:txBody>
+      </p:sp>
+      <p:sp>
+        <p:nvSpPr>
+          <p:cNvPr id="5" name="Content Placeholder 4"/>
+          <p:cNvSpPr>
+            <a:spLocks noGrp="1"/>
+          </p:cNvSpPr>
+          <p:nvPr>
+            <p:ph idx="1"/>
+          </p:nvPr>
+        </p:nvSpPr>
+        <p:spPr/>
+        <p:txBody>
+          <a:bodyPr/>
+          <a:lstStyle/>
+          <a:p>
+            <a:r>
+              <a:rPr lang="nb-NO"/>
+              <a:t>Raw					Value is mapped directly (linear)</a:t>
+            </a:r>
+          </a:p>
+          <a:p>
+            <a:r>
+              <a:rPr lang="nb-NO"/>
+              <a:t>(Raw)				Value is raised to a power (exponential)</a:t>
+            </a:r>
+          </a:p>
+          <a:p>
+            <a:r>
+              <a:rPr lang="nb-NO"/>
+              <a:t>SIN(map(raw,0,1,0,TWO_PI)	Value used in a SIN function (sinusoidal)</a:t>
+            </a:r>
+          </a:p>
+          <a:p>
+            <a:r>
+              <a:rPr lang="nb-NO"/>
+              <a:t>F(x)					Value is used in a ??? Function (???)</a:t>
+            </a:r>
+          </a:p>
+          <a:p>
+            <a:r>
+              <a:rPr lang="nb-NO"/>
+              <a:t>Raw.step()				Value is chopped into steps (stepped)</a:t>
+            </a:r>
+          </a:p>
+          <a:p>
+            <a:r>
+              <a:rPr lang="nb-NO"/>
+              <a:t>Raw.threshold			Event is triggered when value passes a</a:t>
+            </a:r>
+            <a:br>
+              <a:rPr lang="nb-NO"/>
+            </a:br>
+            <a:r>
+              <a:rPr lang="nb-NO"/>
+              <a:t>					predefined threshold</a:t>
+            </a:r>
+          </a:p>
+        </p:txBody>
+      </p:sp>
+      <p:sp>
+        <p:nvSpPr>
+          <p:cNvPr id="6" name="TextBox 5"/>
+          <p:cNvSpPr txBox="1"/>
+          <p:nvPr/>
+        </p:nvSpPr>
+        <p:spPr>
+          <a:xfrm>
+            <a:off x="1889760" y="2211978"/>
+            <a:ext cx="322217" cy="369332"/>
+          </a:xfrm>
+          <a:prstGeom prst="rect">
+            <a:avLst/>
+          </a:prstGeom>
+          <a:noFill/>
+        </p:spPr>
+        <p:txBody>
+          <a:bodyPr wrap="square" rtlCol="0">
+            <a:spAutoFit/>
+          </a:bodyPr>
+          <a:lstStyle/>
+          <a:p>
+            <a:r>
+              <a:rPr lang="nb-NO"/>
+              <a:t>n</a:t>
+            </a:r>
+          </a:p>
+        </p:txBody>
+      </p:sp>
+    </p:spTree>
+    <p:extLst>
+      <p:ext uri="{BB962C8B-B14F-4D97-AF65-F5344CB8AC3E}">
+        <p14:creationId xmlns:p14="http://schemas.microsoft.com/office/powerpoint/2010/main" val="853513762"/>
+      </p:ext>
+    </p:extLst>
+  </p:cSld>
+  <p:clrMapOvr>
+    <a:masterClrMapping/>
+  </p:clrMapOvr>
+</p:sld>
+</file>
+
+<file path=ppt/slides/slide18.xml><?xml version="1.0" encoding="utf-8"?>
+<p:sld xmlns:a="http://schemas.openxmlformats.org/drawingml/2006/main" xmlns:r="http://schemas.openxmlformats.org/officeDocument/2006/relationships" xmlns:p="http://schemas.openxmlformats.org/presentationml/2006/main">
+  <p:cSld>
+    <p:spTree>
+      <p:nvGrpSpPr>
+        <p:cNvPr id="1" name=""/>
+        <p:cNvGrpSpPr/>
+        <p:nvPr/>
+      </p:nvGrpSpPr>
+      <p:grpSpPr>
+        <a:xfrm>
+          <a:off x="0" y="0"/>
+          <a:ext cx="0" cy="0"/>
+          <a:chOff x="0" y="0"/>
+          <a:chExt cx="0" cy="0"/>
+        </a:xfrm>
+      </p:grpSpPr>
+      <p:sp>
+        <p:nvSpPr>
           <p:cNvPr id="2" name="Title 1"/>
           <p:cNvSpPr>
             <a:spLocks noGrp="1"/>
@@ -4781,7 +5108,6 @@
               <a:rPr lang="nb-NO"/>
               <a:t>Drivens</a:t>
             </a:r>
-            <a:endParaRPr lang="nb-NO"/>
           </a:p>
         </p:txBody>
       </p:sp>
@@ -4819,7 +5145,6 @@
               <a:rPr lang="nb-NO"/>
               <a:t>Absolute values in scale required by the phenotype (0-360, 0-255, 0-%ofwidth etc.)</a:t>
             </a:r>
-            <a:endParaRPr lang="nb-NO"/>
           </a:p>
         </p:txBody>
       </p:sp>
@@ -4836,7 +5161,7 @@
 </p:sld>
 </file>
 
-<file path=ppt/slides/slide18.xml><?xml version="1.0" encoding="utf-8"?>
+<file path=ppt/slides/slide19.xml><?xml version="1.0" encoding="utf-8"?>
 <p:sld xmlns:a="http://schemas.openxmlformats.org/drawingml/2006/main" xmlns:r="http://schemas.openxmlformats.org/officeDocument/2006/relationships" xmlns:p="http://schemas.openxmlformats.org/presentationml/2006/main">
   <p:cSld>
     <p:spTree>
@@ -7304,7 +7629,124 @@
 </p:sld>
 </file>
 
-<file path=ppt/slides/slide19.xml><?xml version="1.0" encoding="utf-8"?>
+<file path=ppt/slides/slide2.xml><?xml version="1.0" encoding="utf-8"?>
+<p:sld xmlns:a="http://schemas.openxmlformats.org/drawingml/2006/main" xmlns:r="http://schemas.openxmlformats.org/officeDocument/2006/relationships" xmlns:p="http://schemas.openxmlformats.org/presentationml/2006/main">
+  <p:cSld>
+    <p:spTree>
+      <p:nvGrpSpPr>
+        <p:cNvPr id="1" name=""/>
+        <p:cNvGrpSpPr/>
+        <p:nvPr/>
+      </p:nvGrpSpPr>
+      <p:grpSpPr>
+        <a:xfrm>
+          <a:off x="0" y="0"/>
+          <a:ext cx="0" cy="0"/>
+          <a:chOff x="0" y="0"/>
+          <a:chExt cx="0" cy="0"/>
+        </a:xfrm>
+      </p:grpSpPr>
+      <p:sp>
+        <p:nvSpPr>
+          <p:cNvPr id="2" name="Title 1"/>
+          <p:cNvSpPr>
+            <a:spLocks noGrp="1"/>
+          </p:cNvSpPr>
+          <p:nvPr>
+            <p:ph type="title"/>
+          </p:nvPr>
+        </p:nvSpPr>
+        <p:spPr/>
+        <p:txBody>
+          <a:bodyPr/>
+          <a:lstStyle/>
+          <a:p>
+            <a:r>
+              <a:rPr lang="nb-NO"/>
+              <a:t>Implementation plan</a:t>
+            </a:r>
+          </a:p>
+        </p:txBody>
+      </p:sp>
+      <p:sp>
+        <p:nvSpPr>
+          <p:cNvPr id="3" name="Content Placeholder 2"/>
+          <p:cNvSpPr>
+            <a:spLocks noGrp="1"/>
+          </p:cNvSpPr>
+          <p:nvPr>
+            <p:ph idx="1"/>
+          </p:nvPr>
+        </p:nvSpPr>
+        <p:spPr/>
+        <p:txBody>
+          <a:bodyPr>
+            <a:normAutofit/>
+          </a:bodyPr>
+          <a:lstStyle/>
+          <a:p>
+            <a:r>
+              <a:rPr lang="nb-NO"/>
+              <a:t>Identify all drivers</a:t>
+            </a:r>
+          </a:p>
+          <a:p>
+            <a:r>
+              <a:rPr lang="nb-NO"/>
+              <a:t>Identify all drivens</a:t>
+            </a:r>
+          </a:p>
+          <a:p>
+            <a:pPr lvl="1"/>
+            <a:r>
+              <a:rPr lang="nb-NO"/>
+              <a:t>aMax &amp; aMin</a:t>
+            </a:r>
+          </a:p>
+          <a:p>
+            <a:r>
+              <a:rPr lang="nb-NO"/>
+              <a:t>Decide on architecture for Cycle-level modulation</a:t>
+            </a:r>
+          </a:p>
+          <a:p>
+            <a:r>
+              <a:rPr lang="nb-NO"/>
+              <a:t>Decide on architecture for Colony-level modulation</a:t>
+            </a:r>
+          </a:p>
+          <a:p>
+            <a:r>
+              <a:rPr lang="nb-NO"/>
+              <a:t>Investigate: can aMax/Min be hardwired to phenotype, or do they need to be represented by a variable?</a:t>
+            </a:r>
+          </a:p>
+          <a:p>
+            <a:r>
+              <a:rPr lang="nb-NO"/>
+              <a:t>Test concept for generic modulator method</a:t>
+            </a:r>
+          </a:p>
+          <a:p>
+            <a:pPr lvl="1"/>
+            <a:endParaRPr lang="nb-NO"/>
+          </a:p>
+        </p:txBody>
+      </p:sp>
+    </p:spTree>
+    <p:extLst>
+      <p:ext uri="{BB962C8B-B14F-4D97-AF65-F5344CB8AC3E}">
+        <p14:creationId xmlns:p14="http://schemas.microsoft.com/office/powerpoint/2010/main" val="1006284361"/>
+      </p:ext>
+    </p:extLst>
+  </p:cSld>
+  <p:clrMapOvr>
+    <a:masterClrMapping/>
+  </p:clrMapOvr>
+</p:sld>
+</file>
+
+<file path=ppt/slides/slide20.xml><?xml version="1.0" encoding="utf-8"?>
 <p:sld xmlns:a="http://schemas.openxmlformats.org/drawingml/2006/main" xmlns:r="http://schemas.openxmlformats.org/officeDocument/2006/relationships" xmlns:p="http://schemas.openxmlformats.org/presentationml/2006/main">
   <p:cSld>
     <p:spTree>
@@ -9772,130 +10214,7 @@
 </p:sld>
 </file>
 
-<file path=ppt/slides/slide2.xml><?xml version="1.0" encoding="utf-8"?>
-<p:sld xmlns:a="http://schemas.openxmlformats.org/drawingml/2006/main" xmlns:r="http://schemas.openxmlformats.org/officeDocument/2006/relationships" xmlns:p="http://schemas.openxmlformats.org/presentationml/2006/main">
-  <p:cSld>
-    <p:spTree>
-      <p:nvGrpSpPr>
-        <p:cNvPr id="1" name=""/>
-        <p:cNvGrpSpPr/>
-        <p:nvPr/>
-      </p:nvGrpSpPr>
-      <p:grpSpPr>
-        <a:xfrm>
-          <a:off x="0" y="0"/>
-          <a:ext cx="0" cy="0"/>
-          <a:chOff x="0" y="0"/>
-          <a:chExt cx="0" cy="0"/>
-        </a:xfrm>
-      </p:grpSpPr>
-      <p:sp>
-        <p:nvSpPr>
-          <p:cNvPr id="2" name="Title 1"/>
-          <p:cNvSpPr>
-            <a:spLocks noGrp="1"/>
-          </p:cNvSpPr>
-          <p:nvPr>
-            <p:ph type="title"/>
-          </p:nvPr>
-        </p:nvSpPr>
-        <p:spPr/>
-        <p:txBody>
-          <a:bodyPr/>
-          <a:lstStyle/>
-          <a:p>
-            <a:r>
-              <a:rPr lang="nb-NO"/>
-              <a:t>Implementation plan</a:t>
-            </a:r>
-            <a:endParaRPr lang="nb-NO"/>
-          </a:p>
-        </p:txBody>
-      </p:sp>
-      <p:sp>
-        <p:nvSpPr>
-          <p:cNvPr id="3" name="Content Placeholder 2"/>
-          <p:cNvSpPr>
-            <a:spLocks noGrp="1"/>
-          </p:cNvSpPr>
-          <p:nvPr>
-            <p:ph idx="1"/>
-          </p:nvPr>
-        </p:nvSpPr>
-        <p:spPr/>
-        <p:txBody>
-          <a:bodyPr>
-            <a:normAutofit/>
-          </a:bodyPr>
-          <a:lstStyle/>
-          <a:p>
-            <a:r>
-              <a:rPr lang="nb-NO"/>
-              <a:t>Identify all drivers</a:t>
-            </a:r>
-          </a:p>
-          <a:p>
-            <a:r>
-              <a:rPr lang="nb-NO"/>
-              <a:t>Identify all drivens</a:t>
-            </a:r>
-          </a:p>
-          <a:p>
-            <a:pPr lvl="1"/>
-            <a:r>
-              <a:rPr lang="nb-NO"/>
-              <a:t>aMax &amp; aMin</a:t>
-            </a:r>
-          </a:p>
-          <a:p>
-            <a:r>
-              <a:rPr lang="nb-NO"/>
-              <a:t>Decide on architecture </a:t>
-            </a:r>
-            <a:r>
-              <a:rPr lang="nb-NO"/>
-              <a:t>for Cycle-level modulation</a:t>
-            </a:r>
-            <a:endParaRPr lang="nb-NO"/>
-          </a:p>
-          <a:p>
-            <a:r>
-              <a:rPr lang="nb-NO"/>
-              <a:t>Decide on architecture for Colony-level modulation</a:t>
-            </a:r>
-          </a:p>
-          <a:p>
-            <a:r>
-              <a:rPr lang="nb-NO"/>
-              <a:t>Investigate: can aMax/Min be hardwired to phenotype, or do they need to be represented by a variable?</a:t>
-            </a:r>
-          </a:p>
-          <a:p>
-            <a:r>
-              <a:rPr lang="nb-NO"/>
-              <a:t>Test concept for generic modulator method</a:t>
-            </a:r>
-          </a:p>
-          <a:p>
-            <a:pPr lvl="1"/>
-            <a:endParaRPr lang="nb-NO"/>
-          </a:p>
-        </p:txBody>
-      </p:sp>
-    </p:spTree>
-    <p:extLst>
-      <p:ext uri="{BB962C8B-B14F-4D97-AF65-F5344CB8AC3E}">
-        <p14:creationId xmlns:p14="http://schemas.microsoft.com/office/powerpoint/2010/main" val="1006284361"/>
-      </p:ext>
-    </p:extLst>
-  </p:cSld>
-  <p:clrMapOvr>
-    <a:masterClrMapping/>
-  </p:clrMapOvr>
-</p:sld>
-</file>
-
-<file path=ppt/slides/slide20.xml><?xml version="1.0" encoding="utf-8"?>
+<file path=ppt/slides/slide21.xml><?xml version="1.0" encoding="utf-8"?>
 <p:sld xmlns:a="http://schemas.openxmlformats.org/drawingml/2006/main" xmlns:r="http://schemas.openxmlformats.org/officeDocument/2006/relationships" xmlns:p="http://schemas.openxmlformats.org/presentationml/2006/main">
   <p:cSld>
     <p:spTree>
@@ -11140,7 +11459,7 @@
 </p:sld>
 </file>
 
-<file path=ppt/slides/slide21.xml><?xml version="1.0" encoding="utf-8"?>
+<file path=ppt/slides/slide22.xml><?xml version="1.0" encoding="utf-8"?>
 <p:sld xmlns:a="http://schemas.openxmlformats.org/drawingml/2006/main" xmlns:r="http://schemas.openxmlformats.org/officeDocument/2006/relationships" xmlns:p="http://schemas.openxmlformats.org/presentationml/2006/main">
   <p:cSld>
     <p:spTree>
@@ -11174,21 +11493,8 @@
           <a:p>
             <a:r>
               <a:rPr lang="nb-NO"/>
-              <a:t>Velocity</a:t>
-            </a:r>
-            <a:r>
-              <a:rPr lang="nb-NO"/>
-              <a:t>: </a:t>
-            </a:r>
-            <a:r>
-              <a:rPr lang="nb-NO"/>
-              <a:t>Twist &amp; Noise%</a:t>
-            </a:r>
-            <a:r>
-              <a:rPr lang="nb-NO"/>
-              <a:t>(dna.genes[21-24])</a:t>
-            </a:r>
-            <a:endParaRPr lang="nb-NO"/>
+              <a:t>Velocity: Twist &amp; Noise%(dna.genes[21-24])</a:t>
+            </a:r>
           </a:p>
         </p:txBody>
       </p:sp>
@@ -12403,97 +12709,6 @@
 </p:sld>
 </file>
 
-<file path=ppt/slides/slide22.xml><?xml version="1.0" encoding="utf-8"?>
-<p:sld xmlns:a="http://schemas.openxmlformats.org/drawingml/2006/main" xmlns:r="http://schemas.openxmlformats.org/officeDocument/2006/relationships" xmlns:p="http://schemas.openxmlformats.org/presentationml/2006/main">
-  <p:cSld>
-    <p:spTree>
-      <p:nvGrpSpPr>
-        <p:cNvPr id="1" name=""/>
-        <p:cNvGrpSpPr/>
-        <p:nvPr/>
-      </p:nvGrpSpPr>
-      <p:grpSpPr>
-        <a:xfrm>
-          <a:off x="0" y="0"/>
-          <a:ext cx="0" cy="0"/>
-          <a:chOff x="0" y="0"/>
-          <a:chExt cx="0" cy="0"/>
-        </a:xfrm>
-      </p:grpSpPr>
-      <p:sp>
-        <p:nvSpPr>
-          <p:cNvPr id="2" name="Title 1"/>
-          <p:cNvSpPr>
-            <a:spLocks noGrp="1"/>
-          </p:cNvSpPr>
-          <p:nvPr>
-            <p:ph type="title"/>
-          </p:nvPr>
-        </p:nvSpPr>
-        <p:spPr/>
-        <p:txBody>
-          <a:bodyPr/>
-          <a:lstStyle/>
-          <a:p>
-            <a:r>
-              <a:rPr lang="nb-NO"/>
-              <a:t>Constants</a:t>
-            </a:r>
-            <a:endParaRPr lang="nb-NO"/>
-          </a:p>
-        </p:txBody>
-      </p:sp>
-      <p:sp>
-        <p:nvSpPr>
-          <p:cNvPr id="3" name="Text Placeholder 2"/>
-          <p:cNvSpPr>
-            <a:spLocks noGrp="1"/>
-          </p:cNvSpPr>
-          <p:nvPr>
-            <p:ph type="body" idx="1"/>
-          </p:nvPr>
-        </p:nvSpPr>
-        <p:spPr/>
-        <p:txBody>
-          <a:bodyPr>
-            <a:normAutofit/>
-          </a:bodyPr>
-          <a:lstStyle/>
-          <a:p>
-            <a:r>
-              <a:rPr lang="nb-NO"/>
-              <a:t>dna.genes[25] to [33]</a:t>
-            </a:r>
-          </a:p>
-          <a:p>
-            <a:r>
-              <a:rPr lang="nb-NO"/>
-              <a:t>Definine the values of 9 variables which are fixed for the duration of the lifecycle</a:t>
-            </a:r>
-            <a:br>
-              <a:rPr lang="nb-NO"/>
-            </a:br>
-            <a:r>
-              <a:rPr lang="nb-NO"/>
-              <a:t>Absolute values in scale required by the phenotype</a:t>
-            </a:r>
-            <a:endParaRPr lang="nb-NO"/>
-          </a:p>
-        </p:txBody>
-      </p:sp>
-    </p:spTree>
-    <p:extLst>
-      <p:ext uri="{BB962C8B-B14F-4D97-AF65-F5344CB8AC3E}">
-        <p14:creationId xmlns:p14="http://schemas.microsoft.com/office/powerpoint/2010/main" val="2628610433"/>
-      </p:ext>
-    </p:extLst>
-  </p:cSld>
-  <p:clrMapOvr>
-    <a:masterClrMapping/>
-  </p:clrMapOvr>
-</p:sld>
-</file>
-
 <file path=ppt/slides/slide23.xml><?xml version="1.0" encoding="utf-8"?>
 <p:sld xmlns:a="http://schemas.openxmlformats.org/drawingml/2006/main" xmlns:r="http://schemas.openxmlformats.org/officeDocument/2006/relationships" xmlns:p="http://schemas.openxmlformats.org/presentationml/2006/main">
   <p:cSld>
@@ -12513,7 +12728,7 @@
       </p:grpSpPr>
       <p:sp>
         <p:nvSpPr>
-          <p:cNvPr id="4" name="Title 3"/>
+          <p:cNvPr id="2" name="Title 1"/>
           <p:cNvSpPr>
             <a:spLocks noGrp="1"/>
           </p:cNvSpPr>
@@ -12528,59 +12743,52 @@
           <a:p>
             <a:r>
               <a:rPr lang="nb-NO"/>
-              <a:t>Noise</a:t>
-            </a:r>
-            <a:endParaRPr lang="nb-NO"/>
-          </a:p>
-        </p:txBody>
-      </p:sp>
-      <p:sp>
-        <p:nvSpPr>
-          <p:cNvPr id="5" name="Content Placeholder 4"/>
+              <a:t>Constants</a:t>
+            </a:r>
+          </a:p>
+        </p:txBody>
+      </p:sp>
+      <p:sp>
+        <p:nvSpPr>
+          <p:cNvPr id="3" name="Text Placeholder 2"/>
           <p:cNvSpPr>
             <a:spLocks noGrp="1"/>
           </p:cNvSpPr>
           <p:nvPr>
-            <p:ph idx="1"/>
+            <p:ph type="body" idx="1"/>
           </p:nvPr>
         </p:nvSpPr>
         <p:spPr/>
         <p:txBody>
-          <a:bodyPr/>
+          <a:bodyPr>
+            <a:normAutofit/>
+          </a:bodyPr>
           <a:lstStyle/>
           <a:p>
             <a:r>
               <a:rPr lang="nb-NO"/>
-              <a:t>dna.genes[25]	noise_vMax		Unchanged throughout lifecycle</a:t>
+              <a:t>dna.genes[25] to [33]</a:t>
             </a:r>
           </a:p>
           <a:p>
             <a:r>
               <a:rPr lang="nb-NO"/>
-              <a:t>dna.genes[26]	noise_Step		Unchanged throughout lifecycle</a:t>
-            </a:r>
-            <a:endParaRPr lang="nb-NO"/>
-          </a:p>
-          <a:p>
-            <a:r>
+              <a:t>Definine the values of 9 variables which are fixed for the duration of the lifecycle</a:t>
+            </a:r>
+            <a:br>
               <a:rPr lang="nb-NO"/>
-              <a:t>dna.genes[27]	noise_xOff		Incremented each drawcycle</a:t>
-            </a:r>
-            <a:endParaRPr lang="nb-NO"/>
-          </a:p>
-          <a:p>
+            </a:br>
             <a:r>
               <a:rPr lang="nb-NO"/>
-              <a:t>dna.genes[28]	noise_yOff		Incremented each drawcycle</a:t>
-            </a:r>
-            <a:endParaRPr lang="nb-NO"/>
+              <a:t>Absolute values in scale required by the phenotype</a:t>
+            </a:r>
           </a:p>
         </p:txBody>
       </p:sp>
     </p:spTree>
     <p:extLst>
       <p:ext uri="{BB962C8B-B14F-4D97-AF65-F5344CB8AC3E}">
-        <p14:creationId xmlns:p14="http://schemas.microsoft.com/office/powerpoint/2010/main" val="3444120913"/>
+        <p14:creationId xmlns:p14="http://schemas.microsoft.com/office/powerpoint/2010/main" val="2628610433"/>
       </p:ext>
     </p:extLst>
   </p:cSld>
@@ -12624,9 +12832,8 @@
           <a:p>
             <a:r>
               <a:rPr lang="nb-NO"/>
-              <a:t>Life</a:t>
-            </a:r>
-            <a:endParaRPr lang="nb-NO"/>
+              <a:t>Noise</a:t>
+            </a:r>
           </a:p>
         </p:txBody>
       </p:sp>
@@ -12647,56 +12854,33 @@
           <a:p>
             <a:r>
               <a:rPr lang="nb-NO"/>
-              <a:t>dna.genes[29]	fertility</a:t>
-            </a:r>
+              <a:t>dna.genes[25]	noise_vMax		Unchanged throughout lifecycle</a:t>
+            </a:r>
+          </a:p>
+          <a:p>
             <a:r>
               <a:rPr lang="nb-NO"/>
-              <a:t>	</a:t>
-            </a:r>
+              <a:t>dna.genes[26]	noise_Step		Unchanged throughout lifecycle</a:t>
+            </a:r>
+          </a:p>
+          <a:p>
             <a:r>
               <a:rPr lang="nb-NO"/>
-              <a:t>	*=fertility for each conception</a:t>
-            </a:r>
-            <a:br>
+              <a:t>dna.genes[27]	noise_xOff		Incremented each drawcycle</a:t>
+            </a:r>
+          </a:p>
+          <a:p>
+            <a:r>
               <a:rPr lang="nb-NO"/>
-            </a:br>
-            <a:r>
-              <a:rPr lang="nb-NO"/>
-              <a:t>						=0 if spawnLimit = 0</a:t>
-            </a:r>
-            <a:endParaRPr lang="nb-NO"/>
-          </a:p>
-          <a:p>
-            <a:endParaRPr lang="nb-NO"/>
-          </a:p>
-          <a:p>
-            <a:r>
-              <a:rPr lang="nb-NO"/>
-              <a:t>dna.genes[30]	spawnLimit		-1 for each conception	</a:t>
-            </a:r>
-            <a:endParaRPr lang="nb-NO"/>
-          </a:p>
-          <a:p>
-            <a:r>
-              <a:rPr lang="nb-NO"/>
-              <a:t>dna.genes[31]	lifespan</a:t>
-            </a:r>
-            <a:r>
-              <a:rPr lang="nb-NO"/>
-              <a:t>		Unchanged </a:t>
-            </a:r>
-            <a:r>
-              <a:rPr lang="nb-NO"/>
-              <a:t>throughout lifecycle</a:t>
-            </a:r>
-            <a:endParaRPr lang="nb-NO"/>
+              <a:t>dna.genes[28]	noise_yOff		Incremented each drawcycle</a:t>
+            </a:r>
           </a:p>
         </p:txBody>
       </p:sp>
     </p:spTree>
     <p:extLst>
       <p:ext uri="{BB962C8B-B14F-4D97-AF65-F5344CB8AC3E}">
-        <p14:creationId xmlns:p14="http://schemas.microsoft.com/office/powerpoint/2010/main" val="121474083"/>
+        <p14:creationId xmlns:p14="http://schemas.microsoft.com/office/powerpoint/2010/main" val="3444120913"/>
       </p:ext>
     </p:extLst>
   </p:cSld>
@@ -12740,9 +12924,8 @@
           <a:p>
             <a:r>
               <a:rPr lang="nb-NO"/>
-              <a:t>Stripes</a:t>
-            </a:r>
-            <a:endParaRPr lang="nb-NO"/>
+              <a:t>Life</a:t>
+            </a:r>
           </a:p>
         </p:txBody>
       </p:sp>
@@ -12763,22 +12946,37 @@
           <a:p>
             <a:r>
               <a:rPr lang="nb-NO"/>
-              <a:t>dna.genes[32]	stripeSize</a:t>
-            </a:r>
-          </a:p>
-          <a:p>
-            <a:r>
+              <a:t>dna.genes[29]	fertility		*=fertility for each conception</a:t>
+            </a:r>
+            <a:br>
               <a:rPr lang="nb-NO"/>
-              <a:t>dna.genes[33]	stripeRatio</a:t>
-            </a:r>
+            </a:br>
+            <a:r>
+              <a:rPr lang="nb-NO"/>
+              <a:t>						=0 if spawnLimit = 0</a:t>
+            </a:r>
+          </a:p>
+          <a:p>
             <a:endParaRPr lang="nb-NO"/>
+          </a:p>
+          <a:p>
+            <a:r>
+              <a:rPr lang="nb-NO"/>
+              <a:t>dna.genes[30]	spawnLimit		-1 for each conception	</a:t>
+            </a:r>
+          </a:p>
+          <a:p>
+            <a:r>
+              <a:rPr lang="nb-NO"/>
+              <a:t>dna.genes[31]	lifespan		Unchanged throughout lifecycle</a:t>
+            </a:r>
           </a:p>
         </p:txBody>
       </p:sp>
     </p:spTree>
     <p:extLst>
       <p:ext uri="{BB962C8B-B14F-4D97-AF65-F5344CB8AC3E}">
-        <p14:creationId xmlns:p14="http://schemas.microsoft.com/office/powerpoint/2010/main" val="1803644992"/>
+        <p14:creationId xmlns:p14="http://schemas.microsoft.com/office/powerpoint/2010/main" val="121474083"/>
       </p:ext>
     </p:extLst>
   </p:cSld>
@@ -12822,20 +13020,19 @@
           <a:p>
             <a:r>
               <a:rPr lang="nb-NO"/>
-              <a:t>Notes</a:t>
-            </a:r>
-            <a:endParaRPr lang="nb-NO"/>
-          </a:p>
-        </p:txBody>
-      </p:sp>
-      <p:sp>
-        <p:nvSpPr>
-          <p:cNvPr id="5" name="Text Placeholder 4"/>
+              <a:t>Stripes</a:t>
+            </a:r>
+          </a:p>
+        </p:txBody>
+      </p:sp>
+      <p:sp>
+        <p:nvSpPr>
+          <p:cNvPr id="5" name="Content Placeholder 4"/>
           <p:cNvSpPr>
             <a:spLocks noGrp="1"/>
           </p:cNvSpPr>
           <p:nvPr>
-            <p:ph type="body" idx="1"/>
+            <p:ph idx="1"/>
           </p:nvPr>
         </p:nvSpPr>
         <p:spPr/>
@@ -12843,14 +13040,23 @@
           <a:bodyPr/>
           <a:lstStyle/>
           <a:p>
-            <a:endParaRPr lang="nb-NO"/>
+            <a:r>
+              <a:rPr lang="nb-NO"/>
+              <a:t>dna.genes[32]	stripeSize</a:t>
+            </a:r>
+          </a:p>
+          <a:p>
+            <a:r>
+              <a:rPr lang="nb-NO"/>
+              <a:t>dna.genes[33]	stripeRatio</a:t>
+            </a:r>
           </a:p>
         </p:txBody>
       </p:sp>
     </p:spTree>
     <p:extLst>
       <p:ext uri="{BB962C8B-B14F-4D97-AF65-F5344CB8AC3E}">
-        <p14:creationId xmlns:p14="http://schemas.microsoft.com/office/powerpoint/2010/main" val="592542707"/>
+        <p14:creationId xmlns:p14="http://schemas.microsoft.com/office/powerpoint/2010/main" val="1803644992"/>
       </p:ext>
     </p:extLst>
   </p:cSld>
@@ -12879,6 +13085,77 @@
       </p:grpSpPr>
       <p:sp>
         <p:nvSpPr>
+          <p:cNvPr id="4" name="Title 3"/>
+          <p:cNvSpPr>
+            <a:spLocks noGrp="1"/>
+          </p:cNvSpPr>
+          <p:nvPr>
+            <p:ph type="title"/>
+          </p:nvPr>
+        </p:nvSpPr>
+        <p:spPr/>
+        <p:txBody>
+          <a:bodyPr/>
+          <a:lstStyle/>
+          <a:p>
+            <a:r>
+              <a:rPr lang="nb-NO"/>
+              <a:t>Notes</a:t>
+            </a:r>
+          </a:p>
+        </p:txBody>
+      </p:sp>
+      <p:sp>
+        <p:nvSpPr>
+          <p:cNvPr id="5" name="Text Placeholder 4"/>
+          <p:cNvSpPr>
+            <a:spLocks noGrp="1"/>
+          </p:cNvSpPr>
+          <p:nvPr>
+            <p:ph type="body" idx="1"/>
+          </p:nvPr>
+        </p:nvSpPr>
+        <p:spPr/>
+        <p:txBody>
+          <a:bodyPr/>
+          <a:lstStyle/>
+          <a:p>
+            <a:endParaRPr lang="nb-NO"/>
+          </a:p>
+        </p:txBody>
+      </p:sp>
+    </p:spTree>
+    <p:extLst>
+      <p:ext uri="{BB962C8B-B14F-4D97-AF65-F5344CB8AC3E}">
+        <p14:creationId xmlns:p14="http://schemas.microsoft.com/office/powerpoint/2010/main" val="592542707"/>
+      </p:ext>
+    </p:extLst>
+  </p:cSld>
+  <p:clrMapOvr>
+    <a:masterClrMapping/>
+  </p:clrMapOvr>
+</p:sld>
+</file>
+
+<file path=ppt/slides/slide28.xml><?xml version="1.0" encoding="utf-8"?>
+<p:sld xmlns:a="http://schemas.openxmlformats.org/drawingml/2006/main" xmlns:r="http://schemas.openxmlformats.org/officeDocument/2006/relationships" xmlns:p="http://schemas.openxmlformats.org/presentationml/2006/main">
+  <p:cSld>
+    <p:spTree>
+      <p:nvGrpSpPr>
+        <p:cNvPr id="1" name=""/>
+        <p:cNvGrpSpPr/>
+        <p:nvPr/>
+      </p:nvGrpSpPr>
+      <p:grpSpPr>
+        <a:xfrm>
+          <a:off x="0" y="0"/>
+          <a:ext cx="0" cy="0"/>
+          <a:chOff x="0" y="0"/>
+          <a:chExt cx="0" cy="0"/>
+        </a:xfrm>
+      </p:grpSpPr>
+      <p:sp>
+        <p:nvSpPr>
           <p:cNvPr id="2" name="Title 1"/>
           <p:cNvSpPr>
             <a:spLocks noGrp="1"/>
@@ -12896,7 +13173,6 @@
               <a:rPr lang="nb-NO"/>
               <a:t>Velocity thoughts</a:t>
             </a:r>
-            <a:endParaRPr lang="nb-NO"/>
           </a:p>
         </p:txBody>
       </p:sp>
@@ -13542,7 +13818,6 @@
               <a:rPr lang="nb-NO"/>
               <a:t>Black Box</a:t>
             </a:r>
-            <a:endParaRPr lang="nb-NO"/>
           </a:p>
         </p:txBody>
       </p:sp>
@@ -13599,7 +13874,7 @@
 </p:sld>
 </file>
 
-<file path=ppt/slides/slide28.xml><?xml version="1.0" encoding="utf-8"?>
+<file path=ppt/slides/slide29.xml><?xml version="1.0" encoding="utf-8"?>
 <p:sld xmlns:a="http://schemas.openxmlformats.org/drawingml/2006/main" xmlns:r="http://schemas.openxmlformats.org/officeDocument/2006/relationships" xmlns:p="http://schemas.openxmlformats.org/presentationml/2006/main">
   <p:cSld>
     <p:spTree>
@@ -13635,7 +13910,6 @@
               <a:rPr lang="nb-NO"/>
               <a:t>Seeding Noise</a:t>
             </a:r>
-            <a:endParaRPr lang="nb-NO"/>
           </a:p>
         </p:txBody>
       </p:sp>
@@ -13728,7 +14002,6 @@
               <a:rPr lang="nb-NO"/>
               <a:t>Drivers</a:t>
             </a:r>
-            <a:endParaRPr lang="nb-NO"/>
           </a:p>
         </p:txBody>
       </p:sp>
@@ -13783,7 +14056,7 @@
       </p:grpSpPr>
       <p:sp>
         <p:nvSpPr>
-          <p:cNvPr id="2" name="Title 1"/>
+          <p:cNvPr id="4" name="Title 3"/>
           <p:cNvSpPr>
             <a:spLocks noGrp="1"/>
           </p:cNvSpPr>
@@ -13798,7 +14071,7 @@
           <a:p>
             <a:r>
               <a:rPr lang="nb-NO"/>
-              <a:t>Incremented per frame</a:t>
+              <a:t>Dependencies</a:t>
             </a:r>
             <a:endParaRPr lang="nb-NO"/>
           </a:p>
@@ -13806,7 +14079,7 @@
       </p:sp>
       <p:sp>
         <p:nvSpPr>
-          <p:cNvPr id="3" name="Content Placeholder 2"/>
+          <p:cNvPr id="5" name="Content Placeholder 4"/>
           <p:cNvSpPr>
             <a:spLocks noGrp="1"/>
           </p:cNvSpPr>
@@ -13821,17 +14094,89 @@
           <a:p>
             <a:r>
               <a:rPr lang="nb-NO"/>
-              <a:t>age</a:t>
-            </a:r>
-          </a:p>
-          <a:p>
+              <a:t>Age		must be assigned value =0</a:t>
+            </a:r>
+          </a:p>
+          <a:p>
+            <a:pPr lvl="1"/>
             <a:r>
               <a:rPr lang="nb-NO"/>
-              <a:t>Perlin noise seeds (noise_Xoff, noise_Yoff)</a:t>
-            </a:r>
-          </a:p>
-          <a:p>
-            <a:endParaRPr lang="nb-NO"/>
+              <a:t>Maturity can then be calculated (or simply assigned value =1 at start)</a:t>
+            </a:r>
+          </a:p>
+          <a:p>
+            <a:r>
+              <a:rPr lang="nb-NO"/>
+              <a:t>Lifespan	must be assigned value = dna.genes[31]*gs.maxLifespan</a:t>
+            </a:r>
+          </a:p>
+          <a:p>
+            <a:r>
+              <a:rPr lang="nb-NO"/>
+              <a:t>Range	position &amp; home Pvectors must be established</a:t>
+            </a:r>
+            <a:br>
+              <a:rPr lang="nb-NO"/>
+            </a:br>
+            <a:r>
+              <a:rPr lang="nb-NO"/>
+              <a:t>		toHome Pvector must be calculated</a:t>
+            </a:r>
+            <a:br>
+              <a:rPr lang="nb-NO"/>
+            </a:br>
+            <a:r>
+              <a:rPr lang="nb-NO"/>
+              <a:t>		magnitude of toHome must be calculated</a:t>
+            </a:r>
+          </a:p>
+          <a:p>
+            <a:r>
+              <a:rPr lang="nb-NO"/>
+              <a:t>oDist</a:t>
+            </a:r>
+            <a:r>
+              <a:rPr lang="nb-NO"/>
+              <a:t>	position </a:t>
+            </a:r>
+            <a:r>
+              <a:rPr lang="nb-NO"/>
+              <a:t>&amp; origin </a:t>
+            </a:r>
+            <a:r>
+              <a:rPr lang="nb-NO"/>
+              <a:t>Pvectors must be established</a:t>
+            </a:r>
+            <a:br>
+              <a:rPr lang="nb-NO"/>
+            </a:br>
+            <a:r>
+              <a:rPr lang="nb-NO"/>
+              <a:t>	</a:t>
+            </a:r>
+            <a:r>
+              <a:rPr lang="nb-NO"/>
+              <a:t>	toOrigin </a:t>
+            </a:r>
+            <a:r>
+              <a:rPr lang="nb-NO"/>
+              <a:t>Pvector must be calculated</a:t>
+            </a:r>
+            <a:br>
+              <a:rPr lang="nb-NO"/>
+            </a:br>
+            <a:r>
+              <a:rPr lang="nb-NO"/>
+              <a:t>		magnitude </a:t>
+            </a:r>
+            <a:r>
+              <a:rPr lang="nb-NO"/>
+              <a:t>of toOrigin </a:t>
+            </a:r>
+            <a:r>
+              <a:rPr lang="nb-NO"/>
+              <a:t>must be calculated</a:t>
+            </a:r>
           </a:p>
           <a:p>
             <a:endParaRPr lang="nb-NO"/>
@@ -13841,7 +14186,7 @@
     </p:spTree>
     <p:extLst>
       <p:ext uri="{BB962C8B-B14F-4D97-AF65-F5344CB8AC3E}">
-        <p14:creationId xmlns:p14="http://schemas.microsoft.com/office/powerpoint/2010/main" val="339249025"/>
+        <p14:creationId xmlns:p14="http://schemas.microsoft.com/office/powerpoint/2010/main" val="675411667"/>
       </p:ext>
     </p:extLst>
   </p:cSld>
@@ -13870,6 +14215,92 @@
       </p:grpSpPr>
       <p:sp>
         <p:nvSpPr>
+          <p:cNvPr id="2" name="Title 1"/>
+          <p:cNvSpPr>
+            <a:spLocks noGrp="1"/>
+          </p:cNvSpPr>
+          <p:nvPr>
+            <p:ph type="title"/>
+          </p:nvPr>
+        </p:nvSpPr>
+        <p:spPr/>
+        <p:txBody>
+          <a:bodyPr/>
+          <a:lstStyle/>
+          <a:p>
+            <a:r>
+              <a:rPr lang="nb-NO"/>
+              <a:t>Incremented per frame</a:t>
+            </a:r>
+          </a:p>
+        </p:txBody>
+      </p:sp>
+      <p:sp>
+        <p:nvSpPr>
+          <p:cNvPr id="3" name="Content Placeholder 2"/>
+          <p:cNvSpPr>
+            <a:spLocks noGrp="1"/>
+          </p:cNvSpPr>
+          <p:nvPr>
+            <p:ph idx="1"/>
+          </p:nvPr>
+        </p:nvSpPr>
+        <p:spPr/>
+        <p:txBody>
+          <a:bodyPr/>
+          <a:lstStyle/>
+          <a:p>
+            <a:r>
+              <a:rPr lang="nb-NO"/>
+              <a:t>age</a:t>
+            </a:r>
+          </a:p>
+          <a:p>
+            <a:r>
+              <a:rPr lang="nb-NO"/>
+              <a:t>Perlin noise seeds (noise_Xoff, noise_Yoff)</a:t>
+            </a:r>
+          </a:p>
+          <a:p>
+            <a:endParaRPr lang="nb-NO"/>
+          </a:p>
+          <a:p>
+            <a:endParaRPr lang="nb-NO"/>
+          </a:p>
+        </p:txBody>
+      </p:sp>
+    </p:spTree>
+    <p:extLst>
+      <p:ext uri="{BB962C8B-B14F-4D97-AF65-F5344CB8AC3E}">
+        <p14:creationId xmlns:p14="http://schemas.microsoft.com/office/powerpoint/2010/main" val="339249025"/>
+      </p:ext>
+    </p:extLst>
+  </p:cSld>
+  <p:clrMapOvr>
+    <a:masterClrMapping/>
+  </p:clrMapOvr>
+</p:sld>
+</file>
+
+<file path=ppt/slides/slide6.xml><?xml version="1.0" encoding="utf-8"?>
+<p:sld xmlns:a="http://schemas.openxmlformats.org/drawingml/2006/main" xmlns:r="http://schemas.openxmlformats.org/officeDocument/2006/relationships" xmlns:p="http://schemas.openxmlformats.org/presentationml/2006/main">
+  <p:cSld>
+    <p:spTree>
+      <p:nvGrpSpPr>
+        <p:cNvPr id="1" name=""/>
+        <p:cNvGrpSpPr/>
+        <p:nvPr/>
+      </p:nvGrpSpPr>
+      <p:grpSpPr>
+        <a:xfrm>
+          <a:off x="0" y="0"/>
+          <a:ext cx="0" cy="0"/>
+          <a:chOff x="0" y="0"/>
+          <a:chExt cx="0" cy="0"/>
+        </a:xfrm>
+      </p:grpSpPr>
+      <p:sp>
+        <p:nvSpPr>
           <p:cNvPr id="4" name="Title 3"/>
           <p:cNvSpPr>
             <a:spLocks noGrp="1"/>
@@ -13887,7 +14318,6 @@
               <a:rPr lang="nb-NO"/>
               <a:t>Age, Lifespan &amp; Maturity</a:t>
             </a:r>
-            <a:endParaRPr lang="nb-NO"/>
           </a:p>
         </p:txBody>
       </p:sp>
@@ -13996,13 +14426,8 @@
           <a:p>
             <a:r>
               <a:rPr lang="nb-NO" b="1"/>
-              <a:t>d</a:t>
-            </a:r>
-            <a:r>
-              <a:rPr lang="nb-NO" b="1"/>
-              <a:t>na[31] : lifespan</a:t>
-            </a:r>
-            <a:endParaRPr lang="nb-NO" b="1"/>
+              <a:t>dna[31] : lifespan</a:t>
+            </a:r>
           </a:p>
         </p:txBody>
       </p:sp>
@@ -14061,7 +14486,6 @@
               <a:rPr lang="nb-NO"/>
               <a:t>0.0</a:t>
             </a:r>
-            <a:endParaRPr lang="nb-NO"/>
           </a:p>
         </p:txBody>
       </p:sp>
@@ -14091,7 +14515,6 @@
               <a:rPr lang="nb-NO"/>
               <a:t>1.0</a:t>
             </a:r>
-            <a:endParaRPr lang="nb-NO"/>
           </a:p>
         </p:txBody>
       </p:sp>
@@ -14129,7 +14552,6 @@
               <a:rPr lang="nb-NO" i="1"/>
               <a:t>(# frames since cell birth)</a:t>
             </a:r>
-            <a:endParaRPr lang="nb-NO" i="1"/>
           </a:p>
         </p:txBody>
       </p:sp>
@@ -14176,7 +14598,7 @@
 </p:sld>
 </file>
 
-<file path=ppt/slides/slide6.xml><?xml version="1.0" encoding="utf-8"?>
+<file path=ppt/slides/slide7.xml><?xml version="1.0" encoding="utf-8"?>
 <p:sld xmlns:a="http://schemas.openxmlformats.org/drawingml/2006/main" xmlns:r="http://schemas.openxmlformats.org/officeDocument/2006/relationships" xmlns:p="http://schemas.openxmlformats.org/presentationml/2006/main">
   <p:cSld>
     <p:spTree>
@@ -14212,7 +14634,6 @@
               <a:rPr lang="nb-NO"/>
               <a:t>Noise_step &amp; noise_X/Y_off</a:t>
             </a:r>
-            <a:endParaRPr lang="nb-NO"/>
           </a:p>
         </p:txBody>
       </p:sp>
@@ -14283,7 +14704,6 @@
               <a:rPr lang="nb-NO" b="1"/>
               <a:t>Initial value + (noise_Step * dna[31] lifespan)</a:t>
             </a:r>
-            <a:endParaRPr lang="nb-NO" b="1"/>
           </a:p>
         </p:txBody>
       </p:sp>
@@ -14319,7 +14739,6 @@
               <a:rPr lang="nb-NO"/>
               <a:t>Noise_Yoff</a:t>
             </a:r>
-            <a:endParaRPr lang="nb-NO"/>
           </a:p>
         </p:txBody>
       </p:sp>
@@ -14349,7 +14768,6 @@
               <a:rPr lang="nb-NO"/>
               <a:t>0.0</a:t>
             </a:r>
-            <a:endParaRPr lang="nb-NO"/>
           </a:p>
         </p:txBody>
       </p:sp>
@@ -14379,7 +14797,6 @@
               <a:rPr lang="nb-NO"/>
               <a:t>1.0</a:t>
             </a:r>
-            <a:endParaRPr lang="nb-NO"/>
           </a:p>
         </p:txBody>
       </p:sp>
@@ -14605,130 +15022,6 @@
 </p:sld>
 </file>
 
-<file path=ppt/slides/slide7.xml><?xml version="1.0" encoding="utf-8"?>
-<p:sld xmlns:a="http://schemas.openxmlformats.org/drawingml/2006/main" xmlns:r="http://schemas.openxmlformats.org/officeDocument/2006/relationships" xmlns:p="http://schemas.openxmlformats.org/presentationml/2006/main">
-  <p:cSld>
-    <p:spTree>
-      <p:nvGrpSpPr>
-        <p:cNvPr id="1" name=""/>
-        <p:cNvGrpSpPr/>
-        <p:nvPr/>
-      </p:nvGrpSpPr>
-      <p:grpSpPr>
-        <a:xfrm>
-          <a:off x="0" y="0"/>
-          <a:ext cx="0" cy="0"/>
-          <a:chOff x="0" y="0"/>
-          <a:chExt cx="0" cy="0"/>
-        </a:xfrm>
-      </p:grpSpPr>
-      <p:sp>
-        <p:nvSpPr>
-          <p:cNvPr id="2" name="Title 1"/>
-          <p:cNvSpPr>
-            <a:spLocks noGrp="1"/>
-          </p:cNvSpPr>
-          <p:nvPr>
-            <p:ph type="title"/>
-          </p:nvPr>
-        </p:nvSpPr>
-        <p:spPr/>
-        <p:txBody>
-          <a:bodyPr/>
-          <a:lstStyle/>
-          <a:p>
-            <a:r>
-              <a:rPr lang="nb-NO"/>
-              <a:t>Distance from…</a:t>
-            </a:r>
-            <a:endParaRPr lang="nb-NO"/>
-          </a:p>
-        </p:txBody>
-      </p:sp>
-      <p:sp>
-        <p:nvSpPr>
-          <p:cNvPr id="3" name="Content Placeholder 2"/>
-          <p:cNvSpPr>
-            <a:spLocks noGrp="1"/>
-          </p:cNvSpPr>
-          <p:nvPr>
-            <p:ph idx="1"/>
-          </p:nvPr>
-        </p:nvSpPr>
-        <p:spPr/>
-        <p:txBody>
-          <a:bodyPr/>
-          <a:lstStyle/>
-          <a:p>
-            <a:r>
-              <a:rPr lang="nb-NO"/>
-              <a:t>Distance from home (spawnPos):			range, dist2Home</a:t>
-            </a:r>
-          </a:p>
-          <a:p>
-            <a:r>
-              <a:rPr lang="nb-NO"/>
-              <a:t>Distance from origin (arbitrary x,y Pos):		oDist, dist2Origin</a:t>
-            </a:r>
-            <a:br>
-              <a:rPr lang="nb-NO"/>
-            </a:br>
-            <a:endParaRPr lang="nb-NO"/>
-          </a:p>
-          <a:p>
-            <a:r>
-              <a:rPr lang="nb-NO"/>
-              <a:t>Distance from X (arbitrary x value):			xDist, dist2X</a:t>
-            </a:r>
-          </a:p>
-          <a:p>
-            <a:r>
-              <a:rPr lang="nb-NO"/>
-              <a:t>Distance </a:t>
-            </a:r>
-            <a:r>
-              <a:rPr lang="nb-NO"/>
-              <a:t>from Y </a:t>
-            </a:r>
-            <a:r>
-              <a:rPr lang="nb-NO"/>
-              <a:t>(</a:t>
-            </a:r>
-            <a:r>
-              <a:rPr lang="nb-NO"/>
-              <a:t>arbitrary y </a:t>
-            </a:r>
-            <a:r>
-              <a:rPr lang="nb-NO"/>
-              <a:t>value):		</a:t>
-            </a:r>
-            <a:r>
-              <a:rPr lang="nb-NO"/>
-              <a:t>	yDist, dist2Y</a:t>
-            </a:r>
-            <a:endParaRPr lang="nb-NO"/>
-          </a:p>
-          <a:p>
-            <a:endParaRPr lang="nb-NO"/>
-          </a:p>
-          <a:p>
-            <a:endParaRPr lang="nb-NO"/>
-          </a:p>
-        </p:txBody>
-      </p:sp>
-    </p:spTree>
-    <p:extLst>
-      <p:ext uri="{BB962C8B-B14F-4D97-AF65-F5344CB8AC3E}">
-        <p14:creationId xmlns:p14="http://schemas.microsoft.com/office/powerpoint/2010/main" val="3326831517"/>
-      </p:ext>
-    </p:extLst>
-  </p:cSld>
-  <p:clrMapOvr>
-    <a:masterClrMapping/>
-  </p:clrMapOvr>
-</p:sld>
-</file>
-
 <file path=ppt/slides/slide8.xml><?xml version="1.0" encoding="utf-8"?>
 <p:sld xmlns:a="http://schemas.openxmlformats.org/drawingml/2006/main" xmlns:r="http://schemas.openxmlformats.org/officeDocument/2006/relationships" xmlns:p="http://schemas.openxmlformats.org/presentationml/2006/main">
   <p:cSld>
@@ -14748,6 +15041,108 @@
       </p:grpSpPr>
       <p:sp>
         <p:nvSpPr>
+          <p:cNvPr id="2" name="Title 1"/>
+          <p:cNvSpPr>
+            <a:spLocks noGrp="1"/>
+          </p:cNvSpPr>
+          <p:nvPr>
+            <p:ph type="title"/>
+          </p:nvPr>
+        </p:nvSpPr>
+        <p:spPr/>
+        <p:txBody>
+          <a:bodyPr/>
+          <a:lstStyle/>
+          <a:p>
+            <a:r>
+              <a:rPr lang="nb-NO"/>
+              <a:t>Distance from…</a:t>
+            </a:r>
+          </a:p>
+        </p:txBody>
+      </p:sp>
+      <p:sp>
+        <p:nvSpPr>
+          <p:cNvPr id="3" name="Content Placeholder 2"/>
+          <p:cNvSpPr>
+            <a:spLocks noGrp="1"/>
+          </p:cNvSpPr>
+          <p:nvPr>
+            <p:ph idx="1"/>
+          </p:nvPr>
+        </p:nvSpPr>
+        <p:spPr/>
+        <p:txBody>
+          <a:bodyPr/>
+          <a:lstStyle/>
+          <a:p>
+            <a:r>
+              <a:rPr lang="nb-NO"/>
+              <a:t>Distance from home (spawnPos):			range, dist2Home</a:t>
+            </a:r>
+          </a:p>
+          <a:p>
+            <a:r>
+              <a:rPr lang="nb-NO"/>
+              <a:t>Distance from origin (arbitrary x,y Pos):		oDist, dist2Origin</a:t>
+            </a:r>
+            <a:br>
+              <a:rPr lang="nb-NO"/>
+            </a:br>
+            <a:endParaRPr lang="nb-NO"/>
+          </a:p>
+          <a:p>
+            <a:r>
+              <a:rPr lang="nb-NO"/>
+              <a:t>Distance from X (arbitrary x value):			xDist, dist2X</a:t>
+            </a:r>
+          </a:p>
+          <a:p>
+            <a:r>
+              <a:rPr lang="nb-NO"/>
+              <a:t>Distance from Y (arbitrary y value):			yDist, dist2Y</a:t>
+            </a:r>
+          </a:p>
+          <a:p>
+            <a:endParaRPr lang="nb-NO"/>
+          </a:p>
+          <a:p>
+            <a:endParaRPr lang="nb-NO"/>
+          </a:p>
+        </p:txBody>
+      </p:sp>
+    </p:spTree>
+    <p:extLst>
+      <p:ext uri="{BB962C8B-B14F-4D97-AF65-F5344CB8AC3E}">
+        <p14:creationId xmlns:p14="http://schemas.microsoft.com/office/powerpoint/2010/main" val="3326831517"/>
+      </p:ext>
+    </p:extLst>
+  </p:cSld>
+  <p:clrMapOvr>
+    <a:masterClrMapping/>
+  </p:clrMapOvr>
+</p:sld>
+</file>
+
+<file path=ppt/slides/slide9.xml><?xml version="1.0" encoding="utf-8"?>
+<p:sld xmlns:a="http://schemas.openxmlformats.org/drawingml/2006/main" xmlns:r="http://schemas.openxmlformats.org/officeDocument/2006/relationships" xmlns:p="http://schemas.openxmlformats.org/presentationml/2006/main">
+  <p:cSld>
+    <p:spTree>
+      <p:nvGrpSpPr>
+        <p:cNvPr id="1" name=""/>
+        <p:cNvGrpSpPr/>
+        <p:nvPr/>
+      </p:nvGrpSpPr>
+      <p:grpSpPr>
+        <a:xfrm>
+          <a:off x="0" y="0"/>
+          <a:ext cx="0" cy="0"/>
+          <a:chOff x="0" y="0"/>
+          <a:chExt cx="0" cy="0"/>
+        </a:xfrm>
+      </p:grpSpPr>
+      <p:sp>
+        <p:nvSpPr>
           <p:cNvPr id="4" name="Title 3"/>
           <p:cNvSpPr>
             <a:spLocks noGrp="1"/>
@@ -14765,7 +15160,6 @@
               <a:rPr lang="nb-NO"/>
               <a:t>Range, Lifespan &amp; Remoteness (Rangeyness?</a:t>
             </a:r>
-            <a:endParaRPr lang="nb-NO"/>
           </a:p>
         </p:txBody>
       </p:sp>
@@ -14874,13 +15268,8 @@
           <a:p>
             <a:r>
               <a:rPr lang="nb-NO" b="1"/>
-              <a:t>d</a:t>
-            </a:r>
-            <a:r>
-              <a:rPr lang="nb-NO" b="1"/>
-              <a:t>na[31] : lifespan</a:t>
-            </a:r>
-            <a:endParaRPr lang="nb-NO" b="1"/>
+              <a:t>dna[31] : lifespan</a:t>
+            </a:r>
           </a:p>
         </p:txBody>
       </p:sp>
@@ -14939,7 +15328,6 @@
               <a:rPr lang="nb-NO"/>
               <a:t>0.0</a:t>
             </a:r>
-            <a:endParaRPr lang="nb-NO"/>
           </a:p>
         </p:txBody>
       </p:sp>
@@ -14969,7 +15357,6 @@
               <a:rPr lang="nb-NO"/>
               <a:t>1.0</a:t>
             </a:r>
-            <a:endParaRPr lang="nb-NO"/>
           </a:p>
         </p:txBody>
       </p:sp>
@@ -15071,363 +15458,6 @@
     <p:extLst>
       <p:ext uri="{BB962C8B-B14F-4D97-AF65-F5344CB8AC3E}">
         <p14:creationId xmlns:p14="http://schemas.microsoft.com/office/powerpoint/2010/main" val="744840635"/>
-      </p:ext>
-    </p:extLst>
-  </p:cSld>
-  <p:clrMapOvr>
-    <a:masterClrMapping/>
-  </p:clrMapOvr>
-</p:sld>
-</file>
-
-<file path=ppt/slides/slide9.xml><?xml version="1.0" encoding="utf-8"?>
-<p:sld xmlns:a="http://schemas.openxmlformats.org/drawingml/2006/main" xmlns:r="http://schemas.openxmlformats.org/officeDocument/2006/relationships" xmlns:p="http://schemas.openxmlformats.org/presentationml/2006/main">
-  <p:cSld>
-    <p:spTree>
-      <p:nvGrpSpPr>
-        <p:cNvPr id="1" name=""/>
-        <p:cNvGrpSpPr/>
-        <p:nvPr/>
-      </p:nvGrpSpPr>
-      <p:grpSpPr>
-        <a:xfrm>
-          <a:off x="0" y="0"/>
-          <a:ext cx="0" cy="0"/>
-          <a:chOff x="0" y="0"/>
-          <a:chExt cx="0" cy="0"/>
-        </a:xfrm>
-      </p:grpSpPr>
-      <p:sp>
-        <p:nvSpPr>
-          <p:cNvPr id="4" name="Title 3"/>
-          <p:cNvSpPr>
-            <a:spLocks noGrp="1"/>
-          </p:cNvSpPr>
-          <p:nvPr>
-            <p:ph type="title"/>
-          </p:nvPr>
-        </p:nvSpPr>
-        <p:spPr/>
-        <p:txBody>
-          <a:bodyPr/>
-          <a:lstStyle/>
-          <a:p>
-            <a:r>
-              <a:rPr lang="nb-NO"/>
-              <a:t>oDist, Width &amp; Remoteness2</a:t>
-            </a:r>
-            <a:endParaRPr lang="nb-NO"/>
-          </a:p>
-        </p:txBody>
-      </p:sp>
-      <p:sp>
-        <p:nvSpPr>
-          <p:cNvPr id="6" name="Rectangle 5"/>
-          <p:cNvSpPr/>
-          <p:nvPr/>
-        </p:nvSpPr>
-        <p:spPr>
-          <a:xfrm>
-            <a:off x="1776000" y="1856963"/>
-            <a:ext cx="8640000" cy="4320000"/>
-          </a:xfrm>
-          <a:prstGeom prst="rect">
-            <a:avLst/>
-          </a:prstGeom>
-          <a:noFill/>
-        </p:spPr>
-        <p:style>
-          <a:lnRef idx="2">
-            <a:schemeClr val="accent1">
-              <a:shade val="50000"/>
-            </a:schemeClr>
-          </a:lnRef>
-          <a:fillRef idx="1">
-            <a:schemeClr val="accent1"/>
-          </a:fillRef>
-          <a:effectRef idx="0">
-            <a:schemeClr val="accent1"/>
-          </a:effectRef>
-          <a:fontRef idx="minor">
-            <a:schemeClr val="lt1"/>
-          </a:fontRef>
-        </p:style>
-        <p:txBody>
-          <a:bodyPr rtlCol="0" anchor="ctr"/>
-          <a:lstStyle/>
-          <a:p>
-            <a:pPr algn="ctr"/>
-            <a:endParaRPr lang="nb-NO"/>
-          </a:p>
-        </p:txBody>
-      </p:sp>
-      <p:sp>
-        <p:nvSpPr>
-          <p:cNvPr id="7" name="Right Triangle 6"/>
-          <p:cNvSpPr/>
-          <p:nvPr/>
-        </p:nvSpPr>
-        <p:spPr>
-          <a:xfrm flipH="1">
-            <a:off x="1776000" y="1856963"/>
-            <a:ext cx="8640000" cy="4320000"/>
-          </a:xfrm>
-          <a:prstGeom prst="rtTriangle">
-            <a:avLst/>
-          </a:prstGeom>
-        </p:spPr>
-        <p:style>
-          <a:lnRef idx="2">
-            <a:schemeClr val="accent1">
-              <a:shade val="50000"/>
-            </a:schemeClr>
-          </a:lnRef>
-          <a:fillRef idx="1">
-            <a:schemeClr val="accent1"/>
-          </a:fillRef>
-          <a:effectRef idx="0">
-            <a:schemeClr val="accent1"/>
-          </a:effectRef>
-          <a:fontRef idx="minor">
-            <a:schemeClr val="lt1"/>
-          </a:fontRef>
-        </p:style>
-        <p:txBody>
-          <a:bodyPr rtlCol="0" anchor="ctr"/>
-          <a:lstStyle/>
-          <a:p>
-            <a:pPr algn="ctr"/>
-            <a:endParaRPr lang="nb-NO"/>
-          </a:p>
-        </p:txBody>
-      </p:sp>
-      <p:sp>
-        <p:nvSpPr>
-          <p:cNvPr id="8" name="TextBox 7"/>
-          <p:cNvSpPr txBox="1"/>
-          <p:nvPr/>
-        </p:nvSpPr>
-        <p:spPr>
-          <a:xfrm>
-            <a:off x="10039747" y="6343238"/>
-            <a:ext cx="774433" cy="369332"/>
-          </a:xfrm>
-          <a:prstGeom prst="rect">
-            <a:avLst/>
-          </a:prstGeom>
-          <a:noFill/>
-        </p:spPr>
-        <p:txBody>
-          <a:bodyPr wrap="square" rtlCol="0">
-            <a:spAutoFit/>
-          </a:bodyPr>
-          <a:lstStyle/>
-          <a:p>
-            <a:r>
-              <a:rPr lang="nb-NO" b="1"/>
-              <a:t>width</a:t>
-            </a:r>
-            <a:endParaRPr lang="nb-NO" b="1"/>
-          </a:p>
-        </p:txBody>
-      </p:sp>
-      <p:sp>
-        <p:nvSpPr>
-          <p:cNvPr id="9" name="TextBox 8"/>
-          <p:cNvSpPr txBox="1"/>
-          <p:nvPr/>
-        </p:nvSpPr>
-        <p:spPr>
-          <a:xfrm>
-            <a:off x="1776000" y="6347228"/>
-            <a:ext cx="1017037" cy="369332"/>
-          </a:xfrm>
-          <a:prstGeom prst="rect">
-            <a:avLst/>
-          </a:prstGeom>
-          <a:noFill/>
-        </p:spPr>
-        <p:txBody>
-          <a:bodyPr wrap="square" rtlCol="0">
-            <a:spAutoFit/>
-          </a:bodyPr>
-          <a:lstStyle/>
-          <a:p>
-            <a:r>
-              <a:rPr lang="nb-NO"/>
-              <a:t>0</a:t>
-            </a:r>
-          </a:p>
-        </p:txBody>
-      </p:sp>
-      <p:sp>
-        <p:nvSpPr>
-          <p:cNvPr id="10" name="TextBox 9"/>
-          <p:cNvSpPr txBox="1"/>
-          <p:nvPr/>
-        </p:nvSpPr>
-        <p:spPr>
-          <a:xfrm>
-            <a:off x="10514045" y="5807631"/>
-            <a:ext cx="1017037" cy="369332"/>
-          </a:xfrm>
-          <a:prstGeom prst="rect">
-            <a:avLst/>
-          </a:prstGeom>
-          <a:noFill/>
-        </p:spPr>
-        <p:txBody>
-          <a:bodyPr wrap="square" rtlCol="0">
-            <a:spAutoFit/>
-          </a:bodyPr>
-          <a:lstStyle/>
-          <a:p>
-            <a:r>
-              <a:rPr lang="nb-NO"/>
-              <a:t>0.0</a:t>
-            </a:r>
-            <a:endParaRPr lang="nb-NO"/>
-          </a:p>
-        </p:txBody>
-      </p:sp>
-      <p:sp>
-        <p:nvSpPr>
-          <p:cNvPr id="11" name="TextBox 10"/>
-          <p:cNvSpPr txBox="1"/>
-          <p:nvPr/>
-        </p:nvSpPr>
-        <p:spPr>
-          <a:xfrm>
-            <a:off x="10514045" y="1856963"/>
-            <a:ext cx="1017037" cy="369332"/>
-          </a:xfrm>
-          <a:prstGeom prst="rect">
-            <a:avLst/>
-          </a:prstGeom>
-          <a:noFill/>
-        </p:spPr>
-        <p:txBody>
-          <a:bodyPr wrap="square" rtlCol="0">
-            <a:spAutoFit/>
-          </a:bodyPr>
-          <a:lstStyle/>
-          <a:p>
-            <a:r>
-              <a:rPr lang="nb-NO"/>
-              <a:t>1.0</a:t>
-            </a:r>
-            <a:endParaRPr lang="nb-NO"/>
-          </a:p>
-        </p:txBody>
-      </p:sp>
-      <p:sp>
-        <p:nvSpPr>
-          <p:cNvPr id="12" name="TextBox 11"/>
-          <p:cNvSpPr txBox="1"/>
-          <p:nvPr/>
-        </p:nvSpPr>
-        <p:spPr>
-          <a:xfrm>
-            <a:off x="2155376" y="6343238"/>
-            <a:ext cx="7445823" cy="369332"/>
-          </a:xfrm>
-          <a:prstGeom prst="rect">
-            <a:avLst/>
-          </a:prstGeom>
-          <a:noFill/>
-        </p:spPr>
-        <p:txBody>
-          <a:bodyPr wrap="square" rtlCol="0">
-            <a:spAutoFit/>
-          </a:bodyPr>
-          <a:lstStyle/>
-          <a:p>
-            <a:r>
-              <a:rPr lang="nb-NO" b="1"/>
-              <a:t>oDist = toOrigin.mag() = Distance from position to origin (arbitrary position)</a:t>
-            </a:r>
-            <a:endParaRPr lang="nb-NO"/>
-          </a:p>
-        </p:txBody>
-      </p:sp>
-      <p:sp>
-        <p:nvSpPr>
-          <p:cNvPr id="13" name="TextBox 12"/>
-          <p:cNvSpPr txBox="1"/>
-          <p:nvPr/>
-        </p:nvSpPr>
-        <p:spPr>
-          <a:xfrm>
-            <a:off x="10490718" y="3832297"/>
-            <a:ext cx="1063689" cy="646331"/>
-          </a:xfrm>
-          <a:prstGeom prst="rect">
-            <a:avLst/>
-          </a:prstGeom>
-          <a:noFill/>
-        </p:spPr>
-        <p:txBody>
-          <a:bodyPr wrap="square" rtlCol="0">
-            <a:spAutoFit/>
-          </a:bodyPr>
-          <a:lstStyle/>
-          <a:p>
-            <a:r>
-              <a:rPr lang="nb-NO" b="1"/>
-              <a:t>Remote-ness2</a:t>
-            </a:r>
-            <a:endParaRPr lang="nb-NO"/>
-          </a:p>
-        </p:txBody>
-      </p:sp>
-      <p:sp>
-        <p:nvSpPr>
-          <p:cNvPr id="14" name="TextBox 13"/>
-          <p:cNvSpPr txBox="1"/>
-          <p:nvPr/>
-        </p:nvSpPr>
-        <p:spPr>
-          <a:xfrm>
-            <a:off x="1326577" y="1393303"/>
-            <a:ext cx="9633783" cy="523220"/>
-          </a:xfrm>
-          <a:prstGeom prst="rect">
-            <a:avLst/>
-          </a:prstGeom>
-          <a:noFill/>
-        </p:spPr>
-        <p:txBody>
-          <a:bodyPr wrap="square" rtlCol="0">
-            <a:spAutoFit/>
-          </a:bodyPr>
-          <a:lstStyle/>
-          <a:p>
-            <a:r>
-              <a:rPr lang="nb-NO" sz="1400" b="1"/>
-              <a:t>width </a:t>
-            </a:r>
-            <a:r>
-              <a:rPr lang="nb-NO" sz="1400"/>
-              <a:t>is the maximum possible horisontal/vertical distance a cell could have from origin (assuming canvas is square)</a:t>
-            </a:r>
-          </a:p>
-          <a:p>
-            <a:r>
-              <a:rPr lang="nb-NO" sz="1400" i="1"/>
-              <a:t>The actual maximum is ~width * 1.4 (or = width * square root of 2</a:t>
-            </a:r>
-            <a:r>
-              <a:rPr lang="nb-NO" sz="1400" b="1"/>
-              <a:t>)</a:t>
-            </a:r>
-            <a:endParaRPr lang="nb-NO" sz="1400" b="1"/>
-          </a:p>
-        </p:txBody>
-      </p:sp>
-    </p:spTree>
-    <p:extLst>
-      <p:ext uri="{BB962C8B-B14F-4D97-AF65-F5344CB8AC3E}">
-        <p14:creationId xmlns:p14="http://schemas.microsoft.com/office/powerpoint/2010/main" val="2858201199"/>
       </p:ext>
     </p:extLst>
   </p:cSld>
